--- a/correlation-to-add.pptx
+++ b/correlation-to-add.pptx
@@ -6,6 +6,7 @@
   </p:sldMasterIdLst>
   <p:sldIdLst>
     <p:sldId id="256" r:id="rId2"/>
+    <p:sldId id="257" r:id="rId3"/>
   </p:sldIdLst>
   <p:sldSz cx="12192000" cy="6858000"/>
   <p:notesSz cx="6858000" cy="9144000"/>
@@ -239,7 +240,6 @@
           </c:extLst>
         </c:ser>
         <c:dLbls>
-          <c:dLblPos val="t"/>
           <c:showLegendKey val="0"/>
           <c:showVal val="0"/>
           <c:showCatName val="0"/>
@@ -528,7 +528,731 @@
 </c:chartSpace>
 </file>
 
+<file path=ppt/charts/chart2.xml><?xml version="1.0" encoding="utf-8"?>
+<c:chartSpace xmlns:c="http://schemas.openxmlformats.org/drawingml/2006/chart" xmlns:a="http://schemas.openxmlformats.org/drawingml/2006/main" xmlns:r="http://schemas.openxmlformats.org/officeDocument/2006/relationships" xmlns:c16r2="http://schemas.microsoft.com/office/drawing/2015/06/chart">
+  <c:date1904 val="0"/>
+  <c:lang val="en-US"/>
+  <c:roundedCorners val="0"/>
+  <mc:AlternateContent xmlns:mc="http://schemas.openxmlformats.org/markup-compatibility/2006">
+    <mc:Choice xmlns:c14="http://schemas.microsoft.com/office/drawing/2007/8/2/chart" Requires="c14">
+      <c14:style val="102"/>
+    </mc:Choice>
+    <mc:Fallback>
+      <c:style val="2"/>
+    </mc:Fallback>
+  </mc:AlternateContent>
+  <c:chart>
+    <c:autoTitleDeleted val="1"/>
+    <c:plotArea>
+      <c:layout/>
+      <c:scatterChart>
+        <c:scatterStyle val="lineMarker"/>
+        <c:varyColors val="0"/>
+        <c:ser>
+          <c:idx val="0"/>
+          <c:order val="0"/>
+          <c:spPr>
+            <a:ln w="25400" cap="rnd">
+              <a:noFill/>
+              <a:round/>
+            </a:ln>
+            <a:effectLst/>
+          </c:spPr>
+          <c:marker>
+            <c:symbol val="circle"/>
+            <c:size val="10"/>
+            <c:spPr>
+              <a:solidFill>
+                <a:schemeClr val="accent5"/>
+              </a:solidFill>
+              <a:ln w="9525">
+                <a:solidFill>
+                  <a:schemeClr val="tx1"/>
+                </a:solidFill>
+              </a:ln>
+              <a:effectLst/>
+            </c:spPr>
+          </c:marker>
+          <c:dLbls>
+            <c:dLbl>
+              <c:idx val="0"/>
+              <c:tx>
+                <c:rich>
+                  <a:bodyPr/>
+                  <a:lstStyle/>
+                  <a:p>
+                    <a:fld id="{74655D7C-D892-4246-B9DF-01383776488E}" type="CELLRANGE">
+                      <a:rPr lang="en-US"/>
+                      <a:pPr/>
+                      <a:t>[CELLRANGE]</a:t>
+                    </a:fld>
+                    <a:endParaRPr lang="en-US"/>
+                  </a:p>
+                </c:rich>
+              </c:tx>
+              <c:dLblPos val="l"/>
+              <c:showLegendKey val="0"/>
+              <c:showVal val="0"/>
+              <c:showCatName val="0"/>
+              <c:showSerName val="0"/>
+              <c:showPercent val="0"/>
+              <c:showBubbleSize val="0"/>
+              <c:extLst>
+                <c:ext xmlns:c15="http://schemas.microsoft.com/office/drawing/2012/chart" uri="{CE6537A1-D6FC-4f65-9D91-7224C49458BB}">
+                  <c15:dlblFieldTable/>
+                  <c15:xForSave val="1"/>
+                  <c15:showDataLabelsRange val="1"/>
+                </c:ext>
+                <c:ext xmlns:c16="http://schemas.microsoft.com/office/drawing/2014/chart" uri="{C3380CC4-5D6E-409C-BE32-E72D297353CC}">
+                  <c16:uniqueId val="{00000000-7DA5-E446-857E-1A442F19ED87}"/>
+                </c:ext>
+              </c:extLst>
+            </c:dLbl>
+            <c:dLbl>
+              <c:idx val="1"/>
+              <c:tx>
+                <c:rich>
+                  <a:bodyPr/>
+                  <a:lstStyle/>
+                  <a:p>
+                    <a:fld id="{9E3CD877-2019-564F-842C-057C751A7973}" type="CELLRANGE">
+                      <a:rPr lang="en-US"/>
+                      <a:pPr/>
+                      <a:t>[CELLRANGE]</a:t>
+                    </a:fld>
+                    <a:endParaRPr lang="en-US"/>
+                  </a:p>
+                </c:rich>
+              </c:tx>
+              <c:dLblPos val="l"/>
+              <c:showLegendKey val="0"/>
+              <c:showVal val="0"/>
+              <c:showCatName val="0"/>
+              <c:showSerName val="0"/>
+              <c:showPercent val="0"/>
+              <c:showBubbleSize val="0"/>
+              <c:extLst>
+                <c:ext xmlns:c15="http://schemas.microsoft.com/office/drawing/2012/chart" uri="{CE6537A1-D6FC-4f65-9D91-7224C49458BB}">
+                  <c15:dlblFieldTable/>
+                  <c15:xForSave val="1"/>
+                  <c15:showDataLabelsRange val="1"/>
+                </c:ext>
+                <c:ext xmlns:c16="http://schemas.microsoft.com/office/drawing/2014/chart" uri="{C3380CC4-5D6E-409C-BE32-E72D297353CC}">
+                  <c16:uniqueId val="{00000001-7DA5-E446-857E-1A442F19ED87}"/>
+                </c:ext>
+              </c:extLst>
+            </c:dLbl>
+            <c:dLbl>
+              <c:idx val="2"/>
+              <c:tx>
+                <c:rich>
+                  <a:bodyPr/>
+                  <a:lstStyle/>
+                  <a:p>
+                    <a:fld id="{51C46E90-1BAC-4742-9726-B0FC2A4AC1F8}" type="CELLRANGE">
+                      <a:rPr lang="en-US"/>
+                      <a:pPr/>
+                      <a:t>[CELLRANGE]</a:t>
+                    </a:fld>
+                    <a:endParaRPr lang="en-US"/>
+                  </a:p>
+                </c:rich>
+              </c:tx>
+              <c:dLblPos val="l"/>
+              <c:showLegendKey val="0"/>
+              <c:showVal val="0"/>
+              <c:showCatName val="0"/>
+              <c:showSerName val="0"/>
+              <c:showPercent val="0"/>
+              <c:showBubbleSize val="0"/>
+              <c:extLst>
+                <c:ext xmlns:c15="http://schemas.microsoft.com/office/drawing/2012/chart" uri="{CE6537A1-D6FC-4f65-9D91-7224C49458BB}">
+                  <c15:dlblFieldTable/>
+                  <c15:xForSave val="1"/>
+                  <c15:showDataLabelsRange val="1"/>
+                </c:ext>
+                <c:ext xmlns:c16="http://schemas.microsoft.com/office/drawing/2014/chart" uri="{C3380CC4-5D6E-409C-BE32-E72D297353CC}">
+                  <c16:uniqueId val="{00000002-7DA5-E446-857E-1A442F19ED87}"/>
+                </c:ext>
+              </c:extLst>
+            </c:dLbl>
+            <c:spPr>
+              <a:noFill/>
+              <a:ln>
+                <a:noFill/>
+              </a:ln>
+              <a:effectLst/>
+            </c:spPr>
+            <c:txPr>
+              <a:bodyPr rot="0" spcFirstLastPara="1" vertOverflow="ellipsis" vert="horz" wrap="square" lIns="38100" tIns="19050" rIns="38100" bIns="19050" anchor="ctr" anchorCtr="1">
+                <a:spAutoFit/>
+              </a:bodyPr>
+              <a:lstStyle/>
+              <a:p>
+                <a:pPr>
+                  <a:defRPr sz="1800" b="0" i="0" u="none" strike="noStrike" kern="1200" baseline="0">
+                    <a:solidFill>
+                      <a:schemeClr val="tx1">
+                        <a:lumMod val="75000"/>
+                        <a:lumOff val="25000"/>
+                      </a:schemeClr>
+                    </a:solidFill>
+                    <a:latin typeface="Arial" panose="020B0604020202020204" pitchFamily="34" charset="0"/>
+                    <a:ea typeface="+mn-ea"/>
+                    <a:cs typeface="Arial" panose="020B0604020202020204" pitchFamily="34" charset="0"/>
+                  </a:defRPr>
+                </a:pPr>
+                <a:endParaRPr lang="en-US"/>
+              </a:p>
+            </c:txPr>
+            <c:dLblPos val="l"/>
+            <c:showLegendKey val="0"/>
+            <c:showVal val="0"/>
+            <c:showCatName val="0"/>
+            <c:showSerName val="0"/>
+            <c:showPercent val="0"/>
+            <c:showBubbleSize val="0"/>
+            <c:showLeaderLines val="0"/>
+            <c:extLst>
+              <c:ext xmlns:c15="http://schemas.microsoft.com/office/drawing/2012/chart" uri="{CE6537A1-D6FC-4f65-9D91-7224C49458BB}">
+                <c15:showDataLabelsRange val="1"/>
+                <c15:showLeaderLines val="1"/>
+                <c15:leaderLines>
+                  <c:spPr>
+                    <a:ln w="9525" cap="flat" cmpd="sng" algn="ctr">
+                      <a:solidFill>
+                        <a:schemeClr val="tx1">
+                          <a:lumMod val="35000"/>
+                          <a:lumOff val="65000"/>
+                        </a:schemeClr>
+                      </a:solidFill>
+                      <a:round/>
+                    </a:ln>
+                    <a:effectLst/>
+                  </c:spPr>
+                </c15:leaderLines>
+              </c:ext>
+            </c:extLst>
+          </c:dLbls>
+          <c:xVal>
+            <c:numRef>
+              <c:f>Sheet1!$A$2:$A$4</c:f>
+              <c:numCache>
+                <c:formatCode>General</c:formatCode>
+                <c:ptCount val="3"/>
+                <c:pt idx="0">
+                  <c:v>0.4</c:v>
+                </c:pt>
+                <c:pt idx="1">
+                  <c:v>0.85</c:v>
+                </c:pt>
+                <c:pt idx="2">
+                  <c:v>1.35</c:v>
+                </c:pt>
+              </c:numCache>
+            </c:numRef>
+          </c:xVal>
+          <c:yVal>
+            <c:numRef>
+              <c:f>Sheet1!$B$2:$B$4</c:f>
+              <c:numCache>
+                <c:formatCode>General</c:formatCode>
+                <c:ptCount val="3"/>
+                <c:pt idx="0">
+                  <c:v>1.56</c:v>
+                </c:pt>
+                <c:pt idx="1">
+                  <c:v>1.56</c:v>
+                </c:pt>
+                <c:pt idx="2">
+                  <c:v>1.76</c:v>
+                </c:pt>
+              </c:numCache>
+            </c:numRef>
+          </c:yVal>
+          <c:smooth val="0"/>
+          <c:extLst>
+            <c:ext xmlns:c15="http://schemas.microsoft.com/office/drawing/2012/chart" uri="{02D57815-91ED-43cb-92C2-25804820EDAC}">
+              <c15:datalabelsRange>
+                <c15:f>Sheet1!$D$2:$D$4</c15:f>
+                <c15:dlblRangeCache>
+                  <c:ptCount val="3"/>
+                  <c:pt idx="0">
+                    <c:v>Au</c:v>
+                  </c:pt>
+                  <c:pt idx="1">
+                    <c:v>Ag</c:v>
+                  </c:pt>
+                  <c:pt idx="2">
+                    <c:v>Cu</c:v>
+                  </c:pt>
+                </c15:dlblRangeCache>
+              </c15:datalabelsRange>
+            </c:ext>
+            <c:ext xmlns:c16="http://schemas.microsoft.com/office/drawing/2014/chart" uri="{C3380CC4-5D6E-409C-BE32-E72D297353CC}">
+              <c16:uniqueId val="{00000003-7DA5-E446-857E-1A442F19ED87}"/>
+            </c:ext>
+          </c:extLst>
+        </c:ser>
+        <c:ser>
+          <c:idx val="1"/>
+          <c:order val="1"/>
+          <c:spPr>
+            <a:ln w="25400" cap="rnd">
+              <a:noFill/>
+              <a:round/>
+            </a:ln>
+            <a:effectLst/>
+          </c:spPr>
+          <c:marker>
+            <c:symbol val="circle"/>
+            <c:size val="10"/>
+            <c:spPr>
+              <a:solidFill>
+                <a:srgbClr val="FF0000"/>
+              </a:solidFill>
+              <a:ln w="9525">
+                <a:solidFill>
+                  <a:schemeClr val="tx1"/>
+                </a:solidFill>
+              </a:ln>
+              <a:effectLst/>
+            </c:spPr>
+          </c:marker>
+          <c:trendline>
+            <c:spPr>
+              <a:ln w="38100" cap="rnd">
+                <a:solidFill>
+                  <a:srgbClr val="FF0000"/>
+                </a:solidFill>
+                <a:prstDash val="sysDot"/>
+              </a:ln>
+              <a:effectLst/>
+            </c:spPr>
+            <c:trendlineType val="linear"/>
+            <c:backward val="0.4"/>
+            <c:dispRSqr val="0"/>
+            <c:dispEq val="0"/>
+          </c:trendline>
+          <c:xVal>
+            <c:numRef>
+              <c:f>Sheet1!$A$2:$A$4</c:f>
+              <c:numCache>
+                <c:formatCode>General</c:formatCode>
+                <c:ptCount val="3"/>
+                <c:pt idx="0">
+                  <c:v>0.4</c:v>
+                </c:pt>
+                <c:pt idx="1">
+                  <c:v>0.85</c:v>
+                </c:pt>
+                <c:pt idx="2">
+                  <c:v>1.35</c:v>
+                </c:pt>
+              </c:numCache>
+            </c:numRef>
+          </c:xVal>
+          <c:yVal>
+            <c:numRef>
+              <c:f>Sheet1!$C$2:$C$4</c:f>
+              <c:numCache>
+                <c:formatCode>General</c:formatCode>
+                <c:ptCount val="3"/>
+                <c:pt idx="0">
+                  <c:v>1.2000000000000002</c:v>
+                </c:pt>
+                <c:pt idx="1">
+                  <c:v>1.42</c:v>
+                </c:pt>
+                <c:pt idx="2">
+                  <c:v>1.6</c:v>
+                </c:pt>
+              </c:numCache>
+            </c:numRef>
+          </c:yVal>
+          <c:smooth val="0"/>
+          <c:extLst>
+            <c:ext xmlns:c16="http://schemas.microsoft.com/office/drawing/2014/chart" uri="{C3380CC4-5D6E-409C-BE32-E72D297353CC}">
+              <c16:uniqueId val="{00000005-7DA5-E446-857E-1A442F19ED87}"/>
+            </c:ext>
+          </c:extLst>
+        </c:ser>
+        <c:ser>
+          <c:idx val="2"/>
+          <c:order val="2"/>
+          <c:spPr>
+            <a:ln w="38100" cap="rnd">
+              <a:solidFill>
+                <a:srgbClr val="00B050"/>
+              </a:solidFill>
+              <a:round/>
+            </a:ln>
+            <a:effectLst/>
+          </c:spPr>
+          <c:marker>
+            <c:symbol val="none"/>
+          </c:marker>
+          <c:xVal>
+            <c:numRef>
+              <c:f>Sheet1!$A$7:$A$8</c:f>
+              <c:numCache>
+                <c:formatCode>General</c:formatCode>
+                <c:ptCount val="2"/>
+                <c:pt idx="0">
+                  <c:v>0</c:v>
+                </c:pt>
+                <c:pt idx="1">
+                  <c:v>1.4</c:v>
+                </c:pt>
+              </c:numCache>
+            </c:numRef>
+          </c:xVal>
+          <c:yVal>
+            <c:numRef>
+              <c:f>Sheet1!$B$7:$B$8</c:f>
+              <c:numCache>
+                <c:formatCode>General</c:formatCode>
+                <c:ptCount val="2"/>
+                <c:pt idx="0">
+                  <c:v>1.0429999999999999</c:v>
+                </c:pt>
+                <c:pt idx="1">
+                  <c:v>0.32199999999999995</c:v>
+                </c:pt>
+              </c:numCache>
+            </c:numRef>
+          </c:yVal>
+          <c:smooth val="0"/>
+          <c:extLst>
+            <c:ext xmlns:c16="http://schemas.microsoft.com/office/drawing/2014/chart" uri="{C3380CC4-5D6E-409C-BE32-E72D297353CC}">
+              <c16:uniqueId val="{00000006-7DA5-E446-857E-1A442F19ED87}"/>
+            </c:ext>
+          </c:extLst>
+        </c:ser>
+        <c:dLbls>
+          <c:showLegendKey val="0"/>
+          <c:showVal val="0"/>
+          <c:showCatName val="0"/>
+          <c:showSerName val="0"/>
+          <c:showPercent val="0"/>
+          <c:showBubbleSize val="0"/>
+        </c:dLbls>
+        <c:axId val="1627999344"/>
+        <c:axId val="1627980240"/>
+      </c:scatterChart>
+      <c:valAx>
+        <c:axId val="1627999344"/>
+        <c:scaling>
+          <c:orientation val="minMax"/>
+        </c:scaling>
+        <c:delete val="0"/>
+        <c:axPos val="b"/>
+        <c:title>
+          <c:tx>
+            <c:rich>
+              <a:bodyPr rot="0" spcFirstLastPara="1" vertOverflow="ellipsis" vert="horz" wrap="square" anchor="ctr" anchorCtr="1"/>
+              <a:lstStyle/>
+              <a:p>
+                <a:pPr>
+                  <a:defRPr sz="1800" b="0" i="0" u="none" strike="noStrike" kern="1200" baseline="0">
+                    <a:solidFill>
+                      <a:schemeClr val="tx1">
+                        <a:lumMod val="65000"/>
+                        <a:lumOff val="35000"/>
+                      </a:schemeClr>
+                    </a:solidFill>
+                    <a:latin typeface="Arial" panose="020B0604020202020204" pitchFamily="34" charset="0"/>
+                    <a:ea typeface="+mn-ea"/>
+                    <a:cs typeface="Arial" panose="020B0604020202020204" pitchFamily="34" charset="0"/>
+                  </a:defRPr>
+                </a:pPr>
+                <a:r>
+                  <a:rPr lang="en-US"/>
+                  <a:t>Δ: phenyl-metal</a:t>
+                </a:r>
+                <a:r>
+                  <a:rPr lang="en-US" baseline="0"/>
+                  <a:t> binding enegy, eV</a:t>
+                </a:r>
+                <a:endParaRPr lang="en-US"/>
+              </a:p>
+            </c:rich>
+          </c:tx>
+          <c:overlay val="0"/>
+          <c:spPr>
+            <a:noFill/>
+            <a:ln>
+              <a:noFill/>
+            </a:ln>
+            <a:effectLst/>
+          </c:spPr>
+          <c:txPr>
+            <a:bodyPr rot="0" spcFirstLastPara="1" vertOverflow="ellipsis" vert="horz" wrap="square" anchor="ctr" anchorCtr="1"/>
+            <a:lstStyle/>
+            <a:p>
+              <a:pPr>
+                <a:defRPr sz="1800" b="0" i="0" u="none" strike="noStrike" kern="1200" baseline="0">
+                  <a:solidFill>
+                    <a:schemeClr val="tx1">
+                      <a:lumMod val="65000"/>
+                      <a:lumOff val="35000"/>
+                    </a:schemeClr>
+                  </a:solidFill>
+                  <a:latin typeface="Arial" panose="020B0604020202020204" pitchFamily="34" charset="0"/>
+                  <a:ea typeface="+mn-ea"/>
+                  <a:cs typeface="Arial" panose="020B0604020202020204" pitchFamily="34" charset="0"/>
+                </a:defRPr>
+              </a:pPr>
+              <a:endParaRPr lang="en-US"/>
+            </a:p>
+          </c:txPr>
+        </c:title>
+        <c:numFmt formatCode="General" sourceLinked="1"/>
+        <c:majorTickMark val="in"/>
+        <c:minorTickMark val="none"/>
+        <c:tickLblPos val="nextTo"/>
+        <c:spPr>
+          <a:noFill/>
+          <a:ln w="9525" cap="flat" cmpd="sng" algn="ctr">
+            <a:solidFill>
+              <a:schemeClr val="tx1">
+                <a:lumMod val="25000"/>
+                <a:lumOff val="75000"/>
+              </a:schemeClr>
+            </a:solidFill>
+            <a:round/>
+          </a:ln>
+          <a:effectLst/>
+        </c:spPr>
+        <c:txPr>
+          <a:bodyPr rot="-60000000" spcFirstLastPara="1" vertOverflow="ellipsis" vert="horz" wrap="square" anchor="ctr" anchorCtr="1"/>
+          <a:lstStyle/>
+          <a:p>
+            <a:pPr>
+              <a:defRPr sz="1800" b="0" i="0" u="none" strike="noStrike" kern="1200" baseline="0">
+                <a:solidFill>
+                  <a:schemeClr val="tx1">
+                    <a:lumMod val="65000"/>
+                    <a:lumOff val="35000"/>
+                  </a:schemeClr>
+                </a:solidFill>
+                <a:latin typeface="Arial" panose="020B0604020202020204" pitchFamily="34" charset="0"/>
+                <a:ea typeface="+mn-ea"/>
+                <a:cs typeface="Arial" panose="020B0604020202020204" pitchFamily="34" charset="0"/>
+              </a:defRPr>
+            </a:pPr>
+            <a:endParaRPr lang="en-US"/>
+          </a:p>
+        </c:txPr>
+        <c:crossAx val="1627980240"/>
+        <c:crosses val="autoZero"/>
+        <c:crossBetween val="midCat"/>
+      </c:valAx>
+      <c:valAx>
+        <c:axId val="1627980240"/>
+        <c:scaling>
+          <c:orientation val="minMax"/>
+          <c:max val="1.9"/>
+          <c:min val="0.5"/>
+        </c:scaling>
+        <c:delete val="0"/>
+        <c:axPos val="l"/>
+        <c:title>
+          <c:tx>
+            <c:rich>
+              <a:bodyPr rot="-5400000" spcFirstLastPara="1" vertOverflow="ellipsis" vert="horz" wrap="square" anchor="t" anchorCtr="0"/>
+              <a:lstStyle/>
+              <a:p>
+                <a:pPr>
+                  <a:defRPr sz="1800" b="0" i="0" u="none" strike="noStrike" kern="1200" baseline="0">
+                    <a:solidFill>
+                      <a:schemeClr val="tx1">
+                        <a:lumMod val="65000"/>
+                        <a:lumOff val="35000"/>
+                      </a:schemeClr>
+                    </a:solidFill>
+                    <a:latin typeface="Arial" panose="020B0604020202020204" pitchFamily="34" charset="0"/>
+                    <a:ea typeface="+mn-ea"/>
+                    <a:cs typeface="Arial" panose="020B0604020202020204" pitchFamily="34" charset="0"/>
+                  </a:defRPr>
+                </a:pPr>
+                <a:r>
+                  <a:rPr lang="en-US"/>
+                  <a:t>Energy of unassisted extraction</a:t>
+                </a:r>
+                <a:r>
+                  <a:rPr lang="en-US" baseline="0"/>
+                  <a:t>, eV</a:t>
+                </a:r>
+                <a:endParaRPr lang="en-US"/>
+              </a:p>
+            </c:rich>
+          </c:tx>
+          <c:overlay val="0"/>
+          <c:spPr>
+            <a:noFill/>
+            <a:ln w="41275">
+              <a:noFill/>
+            </a:ln>
+            <a:effectLst/>
+          </c:spPr>
+          <c:txPr>
+            <a:bodyPr rot="-5400000" spcFirstLastPara="1" vertOverflow="ellipsis" vert="horz" wrap="square" anchor="t" anchorCtr="0"/>
+            <a:lstStyle/>
+            <a:p>
+              <a:pPr>
+                <a:defRPr sz="1800" b="0" i="0" u="none" strike="noStrike" kern="1200" baseline="0">
+                  <a:solidFill>
+                    <a:schemeClr val="tx1">
+                      <a:lumMod val="65000"/>
+                      <a:lumOff val="35000"/>
+                    </a:schemeClr>
+                  </a:solidFill>
+                  <a:latin typeface="Arial" panose="020B0604020202020204" pitchFamily="34" charset="0"/>
+                  <a:ea typeface="+mn-ea"/>
+                  <a:cs typeface="Arial" panose="020B0604020202020204" pitchFamily="34" charset="0"/>
+                </a:defRPr>
+              </a:pPr>
+              <a:endParaRPr lang="en-US"/>
+            </a:p>
+          </c:txPr>
+        </c:title>
+        <c:numFmt formatCode="General" sourceLinked="1"/>
+        <c:majorTickMark val="in"/>
+        <c:minorTickMark val="none"/>
+        <c:tickLblPos val="nextTo"/>
+        <c:spPr>
+          <a:noFill/>
+          <a:ln w="9525" cap="flat" cmpd="sng" algn="ctr">
+            <a:solidFill>
+              <a:schemeClr val="tx1">
+                <a:lumMod val="25000"/>
+                <a:lumOff val="75000"/>
+              </a:schemeClr>
+            </a:solidFill>
+            <a:round/>
+          </a:ln>
+          <a:effectLst/>
+        </c:spPr>
+        <c:txPr>
+          <a:bodyPr rot="-60000000" spcFirstLastPara="1" vertOverflow="ellipsis" vert="horz" wrap="square" anchor="ctr" anchorCtr="1"/>
+          <a:lstStyle/>
+          <a:p>
+            <a:pPr>
+              <a:defRPr sz="1800" b="0" i="0" u="none" strike="noStrike" kern="1200" baseline="0">
+                <a:solidFill>
+                  <a:schemeClr val="tx1">
+                    <a:lumMod val="65000"/>
+                    <a:lumOff val="35000"/>
+                  </a:schemeClr>
+                </a:solidFill>
+                <a:latin typeface="Arial" panose="020B0604020202020204" pitchFamily="34" charset="0"/>
+                <a:ea typeface="+mn-ea"/>
+                <a:cs typeface="Arial" panose="020B0604020202020204" pitchFamily="34" charset="0"/>
+              </a:defRPr>
+            </a:pPr>
+            <a:endParaRPr lang="en-US"/>
+          </a:p>
+        </c:txPr>
+        <c:crossAx val="1627999344"/>
+        <c:crosses val="autoZero"/>
+        <c:crossBetween val="midCat"/>
+      </c:valAx>
+      <c:spPr>
+        <a:noFill/>
+        <a:ln>
+          <a:solidFill>
+            <a:schemeClr val="tx1">
+              <a:lumMod val="25000"/>
+              <a:lumOff val="75000"/>
+            </a:schemeClr>
+          </a:solidFill>
+        </a:ln>
+        <a:effectLst/>
+      </c:spPr>
+    </c:plotArea>
+    <c:plotVisOnly val="1"/>
+    <c:dispBlanksAs val="gap"/>
+    <c:extLst>
+      <c:ext xmlns:c16r3="http://schemas.microsoft.com/office/drawing/2017/03/chart" uri="{56B9EC1D-385E-4148-901F-78D8002777C0}">
+        <c16r3:dataDisplayOptions16>
+          <c16r3:dispNaAsBlank val="1"/>
+        </c16r3:dataDisplayOptions16>
+      </c:ext>
+    </c:extLst>
+    <c:showDLblsOverMax val="0"/>
+  </c:chart>
+  <c:spPr>
+    <a:solidFill>
+      <a:schemeClr val="bg1"/>
+    </a:solidFill>
+    <a:ln w="9525" cap="flat" cmpd="sng" algn="ctr">
+      <a:noFill/>
+      <a:round/>
+    </a:ln>
+    <a:effectLst/>
+  </c:spPr>
+  <c:txPr>
+    <a:bodyPr/>
+    <a:lstStyle/>
+    <a:p>
+      <a:pPr>
+        <a:defRPr sz="1800" b="0" i="0">
+          <a:latin typeface="Arial" panose="020B0604020202020204" pitchFamily="34" charset="0"/>
+          <a:cs typeface="Arial" panose="020B0604020202020204" pitchFamily="34" charset="0"/>
+        </a:defRPr>
+      </a:pPr>
+      <a:endParaRPr lang="en-US"/>
+    </a:p>
+  </c:txPr>
+  <c:externalData r:id="rId3">
+    <c:autoUpdate val="0"/>
+  </c:externalData>
+  <c:userShapes r:id="rId4"/>
+</c:chartSpace>
+</file>
+
 <file path=ppt/charts/colors1.xml><?xml version="1.0" encoding="utf-8"?>
+<cs:colorStyle xmlns:cs="http://schemas.microsoft.com/office/drawing/2012/chartStyle" xmlns:a="http://schemas.openxmlformats.org/drawingml/2006/main" meth="cycle" id="10">
+  <a:schemeClr val="accent1"/>
+  <a:schemeClr val="accent2"/>
+  <a:schemeClr val="accent3"/>
+  <a:schemeClr val="accent4"/>
+  <a:schemeClr val="accent5"/>
+  <a:schemeClr val="accent6"/>
+  <cs:variation/>
+  <cs:variation>
+    <a:lumMod val="60000"/>
+  </cs:variation>
+  <cs:variation>
+    <a:lumMod val="80000"/>
+    <a:lumOff val="20000"/>
+  </cs:variation>
+  <cs:variation>
+    <a:lumMod val="80000"/>
+  </cs:variation>
+  <cs:variation>
+    <a:lumMod val="60000"/>
+    <a:lumOff val="40000"/>
+  </cs:variation>
+  <cs:variation>
+    <a:lumMod val="50000"/>
+  </cs:variation>
+  <cs:variation>
+    <a:lumMod val="70000"/>
+    <a:lumOff val="30000"/>
+  </cs:variation>
+  <cs:variation>
+    <a:lumMod val="70000"/>
+  </cs:variation>
+  <cs:variation>
+    <a:lumMod val="50000"/>
+    <a:lumOff val="50000"/>
+  </cs:variation>
+</cs:colorStyle>
+</file>
+
+<file path=ppt/charts/colors2.xml><?xml version="1.0" encoding="utf-8"?>
 <cs:colorStyle xmlns:cs="http://schemas.microsoft.com/office/drawing/2012/chartStyle" xmlns:a="http://schemas.openxmlformats.org/drawingml/2006/main" meth="cycle" id="10">
   <a:schemeClr val="accent1"/>
   <a:schemeClr val="accent2"/>
@@ -1084,6 +1808,956 @@
 </cs:chartStyle>
 </file>
 
+<file path=ppt/charts/style2.xml><?xml version="1.0" encoding="utf-8"?>
+<cs:chartStyle xmlns:cs="http://schemas.microsoft.com/office/drawing/2012/chartStyle" xmlns:a="http://schemas.openxmlformats.org/drawingml/2006/main" id="240">
+  <cs:axisTitle>
+    <cs:lnRef idx="0"/>
+    <cs:fillRef idx="0"/>
+    <cs:effectRef idx="0"/>
+    <cs:fontRef idx="minor">
+      <a:schemeClr val="tx1">
+        <a:lumMod val="65000"/>
+        <a:lumOff val="35000"/>
+      </a:schemeClr>
+    </cs:fontRef>
+    <cs:defRPr sz="1000" kern="1200"/>
+  </cs:axisTitle>
+  <cs:categoryAxis>
+    <cs:lnRef idx="0"/>
+    <cs:fillRef idx="0"/>
+    <cs:effectRef idx="0"/>
+    <cs:fontRef idx="minor">
+      <a:schemeClr val="tx1">
+        <a:lumMod val="65000"/>
+        <a:lumOff val="35000"/>
+      </a:schemeClr>
+    </cs:fontRef>
+    <cs:spPr>
+      <a:ln w="9525" cap="flat" cmpd="sng" algn="ctr">
+        <a:solidFill>
+          <a:schemeClr val="tx1">
+            <a:lumMod val="25000"/>
+            <a:lumOff val="75000"/>
+          </a:schemeClr>
+        </a:solidFill>
+        <a:round/>
+      </a:ln>
+    </cs:spPr>
+    <cs:defRPr sz="900" kern="1200"/>
+  </cs:categoryAxis>
+  <cs:chartArea mods="allowNoFillOverride allowNoLineOverride">
+    <cs:lnRef idx="0"/>
+    <cs:fillRef idx="0"/>
+    <cs:effectRef idx="0"/>
+    <cs:fontRef idx="minor">
+      <a:schemeClr val="tx1"/>
+    </cs:fontRef>
+    <cs:spPr>
+      <a:solidFill>
+        <a:schemeClr val="bg1"/>
+      </a:solidFill>
+      <a:ln w="9525" cap="flat" cmpd="sng" algn="ctr">
+        <a:solidFill>
+          <a:schemeClr val="tx1">
+            <a:lumMod val="15000"/>
+            <a:lumOff val="85000"/>
+          </a:schemeClr>
+        </a:solidFill>
+        <a:round/>
+      </a:ln>
+    </cs:spPr>
+    <cs:defRPr sz="1000" kern="1200"/>
+  </cs:chartArea>
+  <cs:dataLabel>
+    <cs:lnRef idx="0"/>
+    <cs:fillRef idx="0"/>
+    <cs:effectRef idx="0"/>
+    <cs:fontRef idx="minor">
+      <a:schemeClr val="tx1">
+        <a:lumMod val="75000"/>
+        <a:lumOff val="25000"/>
+      </a:schemeClr>
+    </cs:fontRef>
+    <cs:defRPr sz="900" kern="1200"/>
+  </cs:dataLabel>
+  <cs:dataLabelCallout>
+    <cs:lnRef idx="0"/>
+    <cs:fillRef idx="0"/>
+    <cs:effectRef idx="0"/>
+    <cs:fontRef idx="minor">
+      <a:schemeClr val="dk1">
+        <a:lumMod val="65000"/>
+        <a:lumOff val="35000"/>
+      </a:schemeClr>
+    </cs:fontRef>
+    <cs:spPr>
+      <a:solidFill>
+        <a:schemeClr val="lt1"/>
+      </a:solidFill>
+      <a:ln>
+        <a:solidFill>
+          <a:schemeClr val="dk1">
+            <a:lumMod val="25000"/>
+            <a:lumOff val="75000"/>
+          </a:schemeClr>
+        </a:solidFill>
+      </a:ln>
+    </cs:spPr>
+    <cs:defRPr sz="900" kern="1200"/>
+    <cs:bodyPr rot="0" spcFirstLastPara="1" vertOverflow="clip" horzOverflow="clip" vert="horz" wrap="square" lIns="36576" tIns="18288" rIns="36576" bIns="18288" anchor="ctr" anchorCtr="1">
+      <a:spAutoFit/>
+    </cs:bodyPr>
+  </cs:dataLabelCallout>
+  <cs:dataPoint>
+    <cs:lnRef idx="0"/>
+    <cs:fillRef idx="1">
+      <cs:styleClr val="auto"/>
+    </cs:fillRef>
+    <cs:effectRef idx="0"/>
+    <cs:fontRef idx="minor">
+      <a:schemeClr val="tx1"/>
+    </cs:fontRef>
+  </cs:dataPoint>
+  <cs:dataPoint3D>
+    <cs:lnRef idx="0"/>
+    <cs:fillRef idx="1">
+      <cs:styleClr val="auto"/>
+    </cs:fillRef>
+    <cs:effectRef idx="0"/>
+    <cs:fontRef idx="minor">
+      <a:schemeClr val="tx1"/>
+    </cs:fontRef>
+  </cs:dataPoint3D>
+  <cs:dataPointLine>
+    <cs:lnRef idx="0">
+      <cs:styleClr val="auto"/>
+    </cs:lnRef>
+    <cs:fillRef idx="1"/>
+    <cs:effectRef idx="0"/>
+    <cs:fontRef idx="minor">
+      <a:schemeClr val="tx1"/>
+    </cs:fontRef>
+    <cs:spPr>
+      <a:ln w="19050" cap="rnd">
+        <a:solidFill>
+          <a:schemeClr val="phClr"/>
+        </a:solidFill>
+        <a:round/>
+      </a:ln>
+    </cs:spPr>
+  </cs:dataPointLine>
+  <cs:dataPointMarker>
+    <cs:lnRef idx="0">
+      <cs:styleClr val="auto"/>
+    </cs:lnRef>
+    <cs:fillRef idx="1">
+      <cs:styleClr val="auto"/>
+    </cs:fillRef>
+    <cs:effectRef idx="0"/>
+    <cs:fontRef idx="minor">
+      <a:schemeClr val="tx1"/>
+    </cs:fontRef>
+    <cs:spPr>
+      <a:ln w="9525">
+        <a:solidFill>
+          <a:schemeClr val="phClr"/>
+        </a:solidFill>
+      </a:ln>
+    </cs:spPr>
+  </cs:dataPointMarker>
+  <cs:dataPointMarkerLayout symbol="circle" size="5"/>
+  <cs:dataPointWireframe>
+    <cs:lnRef idx="0">
+      <cs:styleClr val="auto"/>
+    </cs:lnRef>
+    <cs:fillRef idx="0"/>
+    <cs:effectRef idx="0"/>
+    <cs:fontRef idx="minor">
+      <a:schemeClr val="dk1"/>
+    </cs:fontRef>
+    <cs:spPr>
+      <a:ln w="9525" cap="rnd">
+        <a:solidFill>
+          <a:schemeClr val="phClr"/>
+        </a:solidFill>
+        <a:round/>
+      </a:ln>
+    </cs:spPr>
+  </cs:dataPointWireframe>
+  <cs:dataTable>
+    <cs:lnRef idx="0"/>
+    <cs:fillRef idx="0"/>
+    <cs:effectRef idx="0"/>
+    <cs:fontRef idx="minor">
+      <a:schemeClr val="tx1">
+        <a:lumMod val="65000"/>
+        <a:lumOff val="35000"/>
+      </a:schemeClr>
+    </cs:fontRef>
+    <cs:spPr>
+      <a:noFill/>
+      <a:ln w="9525" cap="flat" cmpd="sng" algn="ctr">
+        <a:solidFill>
+          <a:schemeClr val="tx1">
+            <a:lumMod val="15000"/>
+            <a:lumOff val="85000"/>
+          </a:schemeClr>
+        </a:solidFill>
+        <a:round/>
+      </a:ln>
+    </cs:spPr>
+    <cs:defRPr sz="900" kern="1200"/>
+  </cs:dataTable>
+  <cs:downBar>
+    <cs:lnRef idx="0"/>
+    <cs:fillRef idx="0"/>
+    <cs:effectRef idx="0"/>
+    <cs:fontRef idx="minor">
+      <a:schemeClr val="tx1"/>
+    </cs:fontRef>
+    <cs:spPr>
+      <a:solidFill>
+        <a:schemeClr val="dk1">
+          <a:lumMod val="75000"/>
+          <a:lumOff val="25000"/>
+        </a:schemeClr>
+      </a:solidFill>
+      <a:ln w="9525" cap="flat" cmpd="sng" algn="ctr">
+        <a:solidFill>
+          <a:schemeClr val="tx1">
+            <a:lumMod val="65000"/>
+            <a:lumOff val="35000"/>
+          </a:schemeClr>
+        </a:solidFill>
+        <a:round/>
+      </a:ln>
+    </cs:spPr>
+  </cs:downBar>
+  <cs:dropLine>
+    <cs:lnRef idx="0"/>
+    <cs:fillRef idx="0"/>
+    <cs:effectRef idx="0"/>
+    <cs:fontRef idx="minor">
+      <a:schemeClr val="tx1"/>
+    </cs:fontRef>
+    <cs:spPr>
+      <a:ln w="9525" cap="flat" cmpd="sng" algn="ctr">
+        <a:solidFill>
+          <a:schemeClr val="tx1">
+            <a:lumMod val="35000"/>
+            <a:lumOff val="65000"/>
+          </a:schemeClr>
+        </a:solidFill>
+        <a:round/>
+      </a:ln>
+    </cs:spPr>
+  </cs:dropLine>
+  <cs:errorBar>
+    <cs:lnRef idx="0"/>
+    <cs:fillRef idx="0"/>
+    <cs:effectRef idx="0"/>
+    <cs:fontRef idx="minor">
+      <a:schemeClr val="tx1"/>
+    </cs:fontRef>
+    <cs:spPr>
+      <a:ln w="9525" cap="flat" cmpd="sng" algn="ctr">
+        <a:solidFill>
+          <a:schemeClr val="tx1">
+            <a:lumMod val="65000"/>
+            <a:lumOff val="35000"/>
+          </a:schemeClr>
+        </a:solidFill>
+        <a:round/>
+      </a:ln>
+    </cs:spPr>
+  </cs:errorBar>
+  <cs:floor>
+    <cs:lnRef idx="0"/>
+    <cs:fillRef idx="0"/>
+    <cs:effectRef idx="0"/>
+    <cs:fontRef idx="minor">
+      <a:schemeClr val="tx1"/>
+    </cs:fontRef>
+    <cs:spPr>
+      <a:noFill/>
+      <a:ln>
+        <a:noFill/>
+      </a:ln>
+    </cs:spPr>
+  </cs:floor>
+  <cs:gridlineMajor>
+    <cs:lnRef idx="0"/>
+    <cs:fillRef idx="0"/>
+    <cs:effectRef idx="0"/>
+    <cs:fontRef idx="minor">
+      <a:schemeClr val="tx1"/>
+    </cs:fontRef>
+    <cs:spPr>
+      <a:ln w="9525" cap="flat" cmpd="sng" algn="ctr">
+        <a:solidFill>
+          <a:schemeClr val="tx1">
+            <a:lumMod val="15000"/>
+            <a:lumOff val="85000"/>
+          </a:schemeClr>
+        </a:solidFill>
+        <a:round/>
+      </a:ln>
+    </cs:spPr>
+  </cs:gridlineMajor>
+  <cs:gridlineMinor>
+    <cs:lnRef idx="0"/>
+    <cs:fillRef idx="0"/>
+    <cs:effectRef idx="0"/>
+    <cs:fontRef idx="minor">
+      <a:schemeClr val="tx1"/>
+    </cs:fontRef>
+    <cs:spPr>
+      <a:ln w="9525" cap="flat" cmpd="sng" algn="ctr">
+        <a:solidFill>
+          <a:schemeClr val="tx1">
+            <a:lumMod val="5000"/>
+            <a:lumOff val="95000"/>
+          </a:schemeClr>
+        </a:solidFill>
+        <a:round/>
+      </a:ln>
+    </cs:spPr>
+  </cs:gridlineMinor>
+  <cs:hiLoLine>
+    <cs:lnRef idx="0"/>
+    <cs:fillRef idx="0"/>
+    <cs:effectRef idx="0"/>
+    <cs:fontRef idx="minor">
+      <a:schemeClr val="tx1"/>
+    </cs:fontRef>
+    <cs:spPr>
+      <a:ln w="9525" cap="flat" cmpd="sng" algn="ctr">
+        <a:solidFill>
+          <a:schemeClr val="tx1">
+            <a:lumMod val="50000"/>
+            <a:lumOff val="50000"/>
+          </a:schemeClr>
+        </a:solidFill>
+        <a:round/>
+      </a:ln>
+    </cs:spPr>
+  </cs:hiLoLine>
+  <cs:leaderLine>
+    <cs:lnRef idx="0"/>
+    <cs:fillRef idx="0"/>
+    <cs:effectRef idx="0"/>
+    <cs:fontRef idx="minor">
+      <a:schemeClr val="tx1"/>
+    </cs:fontRef>
+    <cs:spPr>
+      <a:ln w="9525" cap="flat" cmpd="sng" algn="ctr">
+        <a:solidFill>
+          <a:schemeClr val="tx1">
+            <a:lumMod val="35000"/>
+            <a:lumOff val="65000"/>
+          </a:schemeClr>
+        </a:solidFill>
+        <a:round/>
+      </a:ln>
+    </cs:spPr>
+  </cs:leaderLine>
+  <cs:legend>
+    <cs:lnRef idx="0"/>
+    <cs:fillRef idx="0"/>
+    <cs:effectRef idx="0"/>
+    <cs:fontRef idx="minor">
+      <a:schemeClr val="tx1">
+        <a:lumMod val="65000"/>
+        <a:lumOff val="35000"/>
+      </a:schemeClr>
+    </cs:fontRef>
+    <cs:defRPr sz="900" kern="1200"/>
+  </cs:legend>
+  <cs:plotArea mods="allowNoFillOverride allowNoLineOverride">
+    <cs:lnRef idx="0"/>
+    <cs:fillRef idx="0"/>
+    <cs:effectRef idx="0"/>
+    <cs:fontRef idx="minor">
+      <a:schemeClr val="tx1"/>
+    </cs:fontRef>
+  </cs:plotArea>
+  <cs:plotArea3D mods="allowNoFillOverride allowNoLineOverride">
+    <cs:lnRef idx="0"/>
+    <cs:fillRef idx="0"/>
+    <cs:effectRef idx="0"/>
+    <cs:fontRef idx="minor">
+      <a:schemeClr val="tx1"/>
+    </cs:fontRef>
+  </cs:plotArea3D>
+  <cs:seriesAxis>
+    <cs:lnRef idx="0"/>
+    <cs:fillRef idx="0"/>
+    <cs:effectRef idx="0"/>
+    <cs:fontRef idx="minor">
+      <a:schemeClr val="tx1">
+        <a:lumMod val="65000"/>
+        <a:lumOff val="35000"/>
+      </a:schemeClr>
+    </cs:fontRef>
+    <cs:defRPr sz="900" kern="1200"/>
+  </cs:seriesAxis>
+  <cs:seriesLine>
+    <cs:lnRef idx="0"/>
+    <cs:fillRef idx="0"/>
+    <cs:effectRef idx="0"/>
+    <cs:fontRef idx="minor">
+      <a:schemeClr val="tx1"/>
+    </cs:fontRef>
+    <cs:spPr>
+      <a:ln w="9525" cap="flat" cmpd="sng" algn="ctr">
+        <a:solidFill>
+          <a:schemeClr val="tx1">
+            <a:lumMod val="35000"/>
+            <a:lumOff val="65000"/>
+          </a:schemeClr>
+        </a:solidFill>
+        <a:round/>
+      </a:ln>
+    </cs:spPr>
+  </cs:seriesLine>
+  <cs:title>
+    <cs:lnRef idx="0"/>
+    <cs:fillRef idx="0"/>
+    <cs:effectRef idx="0"/>
+    <cs:fontRef idx="minor">
+      <a:schemeClr val="tx1">
+        <a:lumMod val="65000"/>
+        <a:lumOff val="35000"/>
+      </a:schemeClr>
+    </cs:fontRef>
+    <cs:defRPr sz="1400" b="0" kern="1200" spc="0" baseline="0"/>
+  </cs:title>
+  <cs:trendline>
+    <cs:lnRef idx="0">
+      <cs:styleClr val="auto"/>
+    </cs:lnRef>
+    <cs:fillRef idx="0"/>
+    <cs:effectRef idx="0"/>
+    <cs:fontRef idx="minor">
+      <a:schemeClr val="tx1"/>
+    </cs:fontRef>
+    <cs:spPr>
+      <a:ln w="19050" cap="rnd">
+        <a:solidFill>
+          <a:schemeClr val="phClr"/>
+        </a:solidFill>
+        <a:prstDash val="sysDot"/>
+      </a:ln>
+    </cs:spPr>
+  </cs:trendline>
+  <cs:trendlineLabel>
+    <cs:lnRef idx="0"/>
+    <cs:fillRef idx="0"/>
+    <cs:effectRef idx="0"/>
+    <cs:fontRef idx="minor">
+      <a:schemeClr val="tx1">
+        <a:lumMod val="65000"/>
+        <a:lumOff val="35000"/>
+      </a:schemeClr>
+    </cs:fontRef>
+    <cs:defRPr sz="900" kern="1200"/>
+  </cs:trendlineLabel>
+  <cs:upBar>
+    <cs:lnRef idx="0"/>
+    <cs:fillRef idx="0"/>
+    <cs:effectRef idx="0"/>
+    <cs:fontRef idx="minor">
+      <a:schemeClr val="tx1"/>
+    </cs:fontRef>
+    <cs:spPr>
+      <a:solidFill>
+        <a:schemeClr val="lt1"/>
+      </a:solidFill>
+      <a:ln w="9525" cap="flat" cmpd="sng" algn="ctr">
+        <a:solidFill>
+          <a:schemeClr val="tx1">
+            <a:lumMod val="65000"/>
+            <a:lumOff val="35000"/>
+          </a:schemeClr>
+        </a:solidFill>
+        <a:round/>
+      </a:ln>
+    </cs:spPr>
+  </cs:upBar>
+  <cs:valueAxis>
+    <cs:lnRef idx="0"/>
+    <cs:fillRef idx="0"/>
+    <cs:effectRef idx="0"/>
+    <cs:fontRef idx="minor">
+      <a:schemeClr val="tx1">
+        <a:lumMod val="65000"/>
+        <a:lumOff val="35000"/>
+      </a:schemeClr>
+    </cs:fontRef>
+    <cs:spPr>
+      <a:ln w="9525" cap="flat" cmpd="sng" algn="ctr">
+        <a:solidFill>
+          <a:schemeClr val="tx1">
+            <a:lumMod val="25000"/>
+            <a:lumOff val="75000"/>
+          </a:schemeClr>
+        </a:solidFill>
+        <a:round/>
+      </a:ln>
+    </cs:spPr>
+    <cs:defRPr sz="900" kern="1200"/>
+  </cs:valueAxis>
+  <cs:wall>
+    <cs:lnRef idx="0"/>
+    <cs:fillRef idx="0"/>
+    <cs:effectRef idx="0"/>
+    <cs:fontRef idx="minor">
+      <a:schemeClr val="tx1"/>
+    </cs:fontRef>
+    <cs:spPr>
+      <a:noFill/>
+      <a:ln>
+        <a:noFill/>
+      </a:ln>
+    </cs:spPr>
+  </cs:wall>
+</cs:chartStyle>
+</file>
+
+<file path=ppt/drawings/drawing1.xml><?xml version="1.0" encoding="utf-8"?>
+<c:userShapes xmlns:c="http://schemas.openxmlformats.org/drawingml/2006/chart">
+  <cdr:relSizeAnchor xmlns:cdr="http://schemas.openxmlformats.org/drawingml/2006/chartDrawing">
+    <cdr:from>
+      <cdr:x>0.46337</cdr:x>
+      <cdr:y>0.54369</cdr:y>
+    </cdr:from>
+    <cdr:to>
+      <cdr:x>0.58603</cdr:x>
+      <cdr:y>0.71845</cdr:y>
+    </cdr:to>
+    <cdr:sp macro="" textlink="">
+      <cdr:nvSpPr>
+        <cdr:cNvPr id="2" name="TextBox 1">
+          <a:extLst xmlns:a="http://schemas.openxmlformats.org/drawingml/2006/main">
+            <a:ext uri="{FF2B5EF4-FFF2-40B4-BE49-F238E27FC236}">
+              <a16:creationId xmlns:a16="http://schemas.microsoft.com/office/drawing/2014/main" id="{404879A4-9151-D749-93AC-0EE43A7750FC}"/>
+            </a:ext>
+          </a:extLst>
+        </cdr:cNvPr>
+        <cdr:cNvSpPr txBox="1"/>
+      </cdr:nvSpPr>
+      <cdr:spPr>
+        <a:xfrm xmlns:a="http://schemas.openxmlformats.org/drawingml/2006/main">
+          <a:off x="3454400" y="2844800"/>
+          <a:ext cx="914400" cy="914400"/>
+        </a:xfrm>
+        <a:prstGeom xmlns:a="http://schemas.openxmlformats.org/drawingml/2006/main" prst="rect">
+          <a:avLst/>
+        </a:prstGeom>
+      </cdr:spPr>
+      <cdr:txBody>
+        <a:bodyPr xmlns:a="http://schemas.openxmlformats.org/drawingml/2006/main" vertOverflow="clip" wrap="none" rtlCol="0"/>
+        <a:lstStyle xmlns:a="http://schemas.openxmlformats.org/drawingml/2006/main"/>
+        <a:p xmlns:a="http://schemas.openxmlformats.org/drawingml/2006/main">
+          <a:endParaRPr lang="en-US" sz="1100"/>
+        </a:p>
+      </cdr:txBody>
+    </cdr:sp>
+  </cdr:relSizeAnchor>
+  <cdr:relSizeAnchor xmlns:cdr="http://schemas.openxmlformats.org/drawingml/2006/chartDrawing">
+    <cdr:from>
+      <cdr:x>0.14713</cdr:x>
+      <cdr:y>0.69947</cdr:y>
+    </cdr:from>
+    <cdr:to>
+      <cdr:x>0.44302</cdr:x>
+      <cdr:y>0.78232</cdr:y>
+    </cdr:to>
+    <cdr:sp macro="" textlink="">
+      <cdr:nvSpPr>
+        <cdr:cNvPr id="3" name="TextBox 2">
+          <a:extLst xmlns:a="http://schemas.openxmlformats.org/drawingml/2006/main">
+            <a:ext uri="{FF2B5EF4-FFF2-40B4-BE49-F238E27FC236}">
+              <a16:creationId xmlns:a16="http://schemas.microsoft.com/office/drawing/2014/main" id="{806DF1B4-B736-C24F-9D6C-56480FCDD469}"/>
+            </a:ext>
+          </a:extLst>
+        </cdr:cNvPr>
+        <cdr:cNvSpPr txBox="1"/>
+      </cdr:nvSpPr>
+      <cdr:spPr>
+        <a:xfrm xmlns:a="http://schemas.openxmlformats.org/drawingml/2006/main">
+          <a:off x="1103253" y="3338177"/>
+          <a:ext cx="2218704" cy="395399"/>
+        </a:xfrm>
+        <a:prstGeom xmlns:a="http://schemas.openxmlformats.org/drawingml/2006/main" prst="rect">
+          <a:avLst/>
+        </a:prstGeom>
+      </cdr:spPr>
+      <cdr:txBody>
+        <a:bodyPr xmlns:a="http://schemas.openxmlformats.org/drawingml/2006/main" vertOverflow="clip" wrap="square" rtlCol="0" anchor="ctr" anchorCtr="1"/>
+        <a:lstStyle xmlns:a="http://schemas.openxmlformats.org/drawingml/2006/main"/>
+        <a:p xmlns:a="http://schemas.openxmlformats.org/drawingml/2006/main">
+          <a:pPr algn="ctr"/>
+          <a:r>
+            <a:rPr lang="en-US" sz="1800" b="0" i="0">
+              <a:solidFill>
+                <a:srgbClr val="00B050"/>
+              </a:solidFill>
+              <a:latin typeface="Arial" panose="020B0604020202020204" pitchFamily="34" charset="0"/>
+              <a:cs typeface="Arial" panose="020B0604020202020204" pitchFamily="34" charset="0"/>
+            </a:rPr>
+            <a:t>Adatom catalysis</a:t>
+          </a:r>
+        </a:p>
+      </cdr:txBody>
+    </cdr:sp>
+  </cdr:relSizeAnchor>
+  <cdr:relSizeAnchor xmlns:cdr="http://schemas.openxmlformats.org/drawingml/2006/chartDrawing">
+    <cdr:from>
+      <cdr:x>0.37915</cdr:x>
+      <cdr:y>0.33511</cdr:y>
+    </cdr:from>
+    <cdr:to>
+      <cdr:x>0.86126</cdr:x>
+      <cdr:y>0.41004</cdr:y>
+    </cdr:to>
+    <cdr:sp macro="" textlink="">
+      <cdr:nvSpPr>
+        <cdr:cNvPr id="4" name="TextBox 1">
+          <a:extLst xmlns:a="http://schemas.openxmlformats.org/drawingml/2006/main">
+            <a:ext uri="{FF2B5EF4-FFF2-40B4-BE49-F238E27FC236}">
+              <a16:creationId xmlns:a16="http://schemas.microsoft.com/office/drawing/2014/main" id="{4DCDEDA7-A9FA-694F-9B62-47D17F137D3F}"/>
+            </a:ext>
+          </a:extLst>
+        </cdr:cNvPr>
+        <cdr:cNvSpPr txBox="1"/>
+      </cdr:nvSpPr>
+      <cdr:spPr>
+        <a:xfrm xmlns:a="http://schemas.openxmlformats.org/drawingml/2006/main" rot="20700000">
+          <a:off x="2842992" y="1599305"/>
+          <a:ext cx="3615093" cy="357598"/>
+        </a:xfrm>
+        <a:prstGeom xmlns:a="http://schemas.openxmlformats.org/drawingml/2006/main" prst="rect">
+          <a:avLst/>
+        </a:prstGeom>
+        <a:noFill xmlns:a="http://schemas.openxmlformats.org/drawingml/2006/main"/>
+      </cdr:spPr>
+      <cdr:txBody>
+        <a:bodyPr xmlns:a="http://schemas.openxmlformats.org/drawingml/2006/main" wrap="square" rtlCol="0" anchor="ctr" anchorCtr="1">
+          <a:spAutoFit/>
+        </a:bodyPr>
+        <a:lstStyle xmlns:a="http://schemas.openxmlformats.org/drawingml/2006/main">
+          <a:lvl1pPr marL="0" indent="0">
+            <a:defRPr sz="1100">
+              <a:latin typeface="+mn-lt"/>
+              <a:ea typeface="+mn-ea"/>
+              <a:cs typeface="+mn-cs"/>
+            </a:defRPr>
+          </a:lvl1pPr>
+          <a:lvl2pPr marL="457200" indent="0">
+            <a:defRPr sz="1100">
+              <a:latin typeface="+mn-lt"/>
+              <a:ea typeface="+mn-ea"/>
+              <a:cs typeface="+mn-cs"/>
+            </a:defRPr>
+          </a:lvl2pPr>
+          <a:lvl3pPr marL="914400" indent="0">
+            <a:defRPr sz="1100">
+              <a:latin typeface="+mn-lt"/>
+              <a:ea typeface="+mn-ea"/>
+              <a:cs typeface="+mn-cs"/>
+            </a:defRPr>
+          </a:lvl3pPr>
+          <a:lvl4pPr marL="1371600" indent="0">
+            <a:defRPr sz="1100">
+              <a:latin typeface="+mn-lt"/>
+              <a:ea typeface="+mn-ea"/>
+              <a:cs typeface="+mn-cs"/>
+            </a:defRPr>
+          </a:lvl4pPr>
+          <a:lvl5pPr marL="1828800" indent="0">
+            <a:defRPr sz="1100">
+              <a:latin typeface="+mn-lt"/>
+              <a:ea typeface="+mn-ea"/>
+              <a:cs typeface="+mn-cs"/>
+            </a:defRPr>
+          </a:lvl5pPr>
+          <a:lvl6pPr marL="2286000" indent="0">
+            <a:defRPr sz="1100">
+              <a:latin typeface="+mn-lt"/>
+              <a:ea typeface="+mn-ea"/>
+              <a:cs typeface="+mn-cs"/>
+            </a:defRPr>
+          </a:lvl6pPr>
+          <a:lvl7pPr marL="2743200" indent="0">
+            <a:defRPr sz="1100">
+              <a:latin typeface="+mn-lt"/>
+              <a:ea typeface="+mn-ea"/>
+              <a:cs typeface="+mn-cs"/>
+            </a:defRPr>
+          </a:lvl7pPr>
+          <a:lvl8pPr marL="3200400" indent="0">
+            <a:defRPr sz="1100">
+              <a:latin typeface="+mn-lt"/>
+              <a:ea typeface="+mn-ea"/>
+              <a:cs typeface="+mn-cs"/>
+            </a:defRPr>
+          </a:lvl8pPr>
+          <a:lvl9pPr marL="3657600" indent="0">
+            <a:defRPr sz="1100">
+              <a:latin typeface="+mn-lt"/>
+              <a:ea typeface="+mn-ea"/>
+              <a:cs typeface="+mn-cs"/>
+            </a:defRPr>
+          </a:lvl9pPr>
+        </a:lstStyle>
+        <a:p xmlns:a="http://schemas.openxmlformats.org/drawingml/2006/main">
+          <a:pPr algn="ctr"/>
+          <a:r>
+            <a:rPr lang="en-US" sz="1800" b="0" i="0">
+              <a:solidFill>
+                <a:srgbClr val="FF0000"/>
+              </a:solidFill>
+              <a:latin typeface="Arial" panose="020B0604020202020204" pitchFamily="34" charset="0"/>
+              <a:cs typeface="Arial" panose="020B0604020202020204" pitchFamily="34" charset="0"/>
+            </a:rPr>
+            <a:t>Line of thermoneutral extraction</a:t>
+          </a:r>
+        </a:p>
+      </cdr:txBody>
+    </cdr:sp>
+  </cdr:relSizeAnchor>
+  <cdr:relSizeAnchor xmlns:cdr="http://schemas.openxmlformats.org/drawingml/2006/chartDrawing">
+    <cdr:from>
+      <cdr:x>0.56937</cdr:x>
+      <cdr:y>0.5038</cdr:y>
+    </cdr:from>
+    <cdr:to>
+      <cdr:x>0.8973</cdr:x>
+      <cdr:y>0.63923</cdr:y>
+    </cdr:to>
+    <cdr:sp macro="" textlink="">
+      <cdr:nvSpPr>
+        <cdr:cNvPr id="5" name="TextBox 1">
+          <a:extLst xmlns:a="http://schemas.openxmlformats.org/drawingml/2006/main">
+            <a:ext uri="{FF2B5EF4-FFF2-40B4-BE49-F238E27FC236}">
+              <a16:creationId xmlns:a16="http://schemas.microsoft.com/office/drawing/2014/main" id="{E5BBF1A7-9F0E-E94F-B985-7436D94298F8}"/>
+            </a:ext>
+          </a:extLst>
+        </cdr:cNvPr>
+        <cdr:cNvSpPr txBox="1"/>
+      </cdr:nvSpPr>
+      <cdr:spPr>
+        <a:xfrm xmlns:a="http://schemas.openxmlformats.org/drawingml/2006/main">
+          <a:off x="4269366" y="2404367"/>
+          <a:ext cx="2458952" cy="646331"/>
+        </a:xfrm>
+        <a:prstGeom xmlns:a="http://schemas.openxmlformats.org/drawingml/2006/main" prst="rect">
+          <a:avLst/>
+        </a:prstGeom>
+      </cdr:spPr>
+      <cdr:txBody>
+        <a:bodyPr xmlns:a="http://schemas.openxmlformats.org/drawingml/2006/main" vertOverflow="clip" horzOverflow="clip" wrap="square" rtlCol="0" anchor="ctr" anchorCtr="1">
+          <a:spAutoFit/>
+        </a:bodyPr>
+        <a:lstStyle xmlns:a="http://schemas.openxmlformats.org/drawingml/2006/main">
+          <a:lvl1pPr marL="0" indent="0">
+            <a:defRPr sz="1100">
+              <a:latin typeface="+mn-lt"/>
+              <a:ea typeface="+mn-ea"/>
+              <a:cs typeface="+mn-cs"/>
+            </a:defRPr>
+          </a:lvl1pPr>
+          <a:lvl2pPr marL="457200" indent="0">
+            <a:defRPr sz="1100">
+              <a:latin typeface="+mn-lt"/>
+              <a:ea typeface="+mn-ea"/>
+              <a:cs typeface="+mn-cs"/>
+            </a:defRPr>
+          </a:lvl2pPr>
+          <a:lvl3pPr marL="914400" indent="0">
+            <a:defRPr sz="1100">
+              <a:latin typeface="+mn-lt"/>
+              <a:ea typeface="+mn-ea"/>
+              <a:cs typeface="+mn-cs"/>
+            </a:defRPr>
+          </a:lvl3pPr>
+          <a:lvl4pPr marL="1371600" indent="0">
+            <a:defRPr sz="1100">
+              <a:latin typeface="+mn-lt"/>
+              <a:ea typeface="+mn-ea"/>
+              <a:cs typeface="+mn-cs"/>
+            </a:defRPr>
+          </a:lvl4pPr>
+          <a:lvl5pPr marL="1828800" indent="0">
+            <a:defRPr sz="1100">
+              <a:latin typeface="+mn-lt"/>
+              <a:ea typeface="+mn-ea"/>
+              <a:cs typeface="+mn-cs"/>
+            </a:defRPr>
+          </a:lvl5pPr>
+          <a:lvl6pPr marL="2286000" indent="0">
+            <a:defRPr sz="1100">
+              <a:latin typeface="+mn-lt"/>
+              <a:ea typeface="+mn-ea"/>
+              <a:cs typeface="+mn-cs"/>
+            </a:defRPr>
+          </a:lvl6pPr>
+          <a:lvl7pPr marL="2743200" indent="0">
+            <a:defRPr sz="1100">
+              <a:latin typeface="+mn-lt"/>
+              <a:ea typeface="+mn-ea"/>
+              <a:cs typeface="+mn-cs"/>
+            </a:defRPr>
+          </a:lvl7pPr>
+          <a:lvl8pPr marL="3200400" indent="0">
+            <a:defRPr sz="1100">
+              <a:latin typeface="+mn-lt"/>
+              <a:ea typeface="+mn-ea"/>
+              <a:cs typeface="+mn-cs"/>
+            </a:defRPr>
+          </a:lvl8pPr>
+          <a:lvl9pPr marL="3657600" indent="0">
+            <a:defRPr sz="1100">
+              <a:latin typeface="+mn-lt"/>
+              <a:ea typeface="+mn-ea"/>
+              <a:cs typeface="+mn-cs"/>
+            </a:defRPr>
+          </a:lvl9pPr>
+        </a:lstStyle>
+        <a:p xmlns:a="http://schemas.openxmlformats.org/drawingml/2006/main">
+          <a:pPr algn="ctr"/>
+          <a:r>
+            <a:rPr lang="en-US" sz="1800" b="0" i="0" dirty="0">
+              <a:solidFill>
+                <a:srgbClr val="0070C0"/>
+              </a:solidFill>
+              <a:latin typeface="Arial" panose="020B0604020202020204" pitchFamily="34" charset="0"/>
+              <a:cs typeface="Arial" panose="020B0604020202020204" pitchFamily="34" charset="0"/>
+            </a:rPr>
+            <a:t>C-C bond formation on adatoms is slow</a:t>
+          </a:r>
+        </a:p>
+      </cdr:txBody>
+    </cdr:sp>
+  </cdr:relSizeAnchor>
+  <cdr:relSizeAnchor xmlns:cdr="http://schemas.openxmlformats.org/drawingml/2006/chartDrawing">
+    <cdr:from>
+      <cdr:x>0.14011</cdr:x>
+      <cdr:y>0.08534</cdr:y>
+    </cdr:from>
+    <cdr:to>
+      <cdr:x>0.57117</cdr:x>
+      <cdr:y>0.16027</cdr:y>
+    </cdr:to>
+    <cdr:sp macro="" textlink="">
+      <cdr:nvSpPr>
+        <cdr:cNvPr id="6" name="TextBox 1">
+          <a:extLst xmlns:a="http://schemas.openxmlformats.org/drawingml/2006/main">
+            <a:ext uri="{FF2B5EF4-FFF2-40B4-BE49-F238E27FC236}">
+              <a16:creationId xmlns:a16="http://schemas.microsoft.com/office/drawing/2014/main" id="{08A724B4-5BB2-4C44-8434-EFD425EA7E32}"/>
+            </a:ext>
+          </a:extLst>
+        </cdr:cNvPr>
+        <cdr:cNvSpPr txBox="1"/>
+      </cdr:nvSpPr>
+      <cdr:spPr>
+        <a:xfrm xmlns:a="http://schemas.openxmlformats.org/drawingml/2006/main">
+          <a:off x="1050586" y="407293"/>
+          <a:ext cx="3232286" cy="357598"/>
+        </a:xfrm>
+        <a:prstGeom xmlns:a="http://schemas.openxmlformats.org/drawingml/2006/main" prst="rect">
+          <a:avLst/>
+        </a:prstGeom>
+      </cdr:spPr>
+      <cdr:txBody>
+        <a:bodyPr xmlns:a="http://schemas.openxmlformats.org/drawingml/2006/main" wrap="square" rtlCol="0" anchor="ctr" anchorCtr="1">
+          <a:spAutoFit/>
+        </a:bodyPr>
+        <a:lstStyle xmlns:a="http://schemas.openxmlformats.org/drawingml/2006/main">
+          <a:lvl1pPr marL="0" indent="0">
+            <a:defRPr sz="1100">
+              <a:latin typeface="+mn-lt"/>
+              <a:ea typeface="+mn-ea"/>
+              <a:cs typeface="+mn-cs"/>
+            </a:defRPr>
+          </a:lvl1pPr>
+          <a:lvl2pPr marL="457200" indent="0">
+            <a:defRPr sz="1100">
+              <a:latin typeface="+mn-lt"/>
+              <a:ea typeface="+mn-ea"/>
+              <a:cs typeface="+mn-cs"/>
+            </a:defRPr>
+          </a:lvl2pPr>
+          <a:lvl3pPr marL="914400" indent="0">
+            <a:defRPr sz="1100">
+              <a:latin typeface="+mn-lt"/>
+              <a:ea typeface="+mn-ea"/>
+              <a:cs typeface="+mn-cs"/>
+            </a:defRPr>
+          </a:lvl3pPr>
+          <a:lvl4pPr marL="1371600" indent="0">
+            <a:defRPr sz="1100">
+              <a:latin typeface="+mn-lt"/>
+              <a:ea typeface="+mn-ea"/>
+              <a:cs typeface="+mn-cs"/>
+            </a:defRPr>
+          </a:lvl4pPr>
+          <a:lvl5pPr marL="1828800" indent="0">
+            <a:defRPr sz="1100">
+              <a:latin typeface="+mn-lt"/>
+              <a:ea typeface="+mn-ea"/>
+              <a:cs typeface="+mn-cs"/>
+            </a:defRPr>
+          </a:lvl5pPr>
+          <a:lvl6pPr marL="2286000" indent="0">
+            <a:defRPr sz="1100">
+              <a:latin typeface="+mn-lt"/>
+              <a:ea typeface="+mn-ea"/>
+              <a:cs typeface="+mn-cs"/>
+            </a:defRPr>
+          </a:lvl6pPr>
+          <a:lvl7pPr marL="2743200" indent="0">
+            <a:defRPr sz="1100">
+              <a:latin typeface="+mn-lt"/>
+              <a:ea typeface="+mn-ea"/>
+              <a:cs typeface="+mn-cs"/>
+            </a:defRPr>
+          </a:lvl7pPr>
+          <a:lvl8pPr marL="3200400" indent="0">
+            <a:defRPr sz="1100">
+              <a:latin typeface="+mn-lt"/>
+              <a:ea typeface="+mn-ea"/>
+              <a:cs typeface="+mn-cs"/>
+            </a:defRPr>
+          </a:lvl8pPr>
+          <a:lvl9pPr marL="3657600" indent="0">
+            <a:defRPr sz="1100">
+              <a:latin typeface="+mn-lt"/>
+              <a:ea typeface="+mn-ea"/>
+              <a:cs typeface="+mn-cs"/>
+            </a:defRPr>
+          </a:lvl9pPr>
+        </a:lstStyle>
+        <a:p xmlns:a="http://schemas.openxmlformats.org/drawingml/2006/main">
+          <a:pPr algn="ctr"/>
+          <a:r>
+            <a:rPr lang="en-US" sz="1800" b="0" i="0">
+              <a:solidFill>
+                <a:schemeClr val="accent2"/>
+              </a:solidFill>
+              <a:latin typeface="Arial" panose="020B0604020202020204" pitchFamily="34" charset="0"/>
+              <a:cs typeface="Arial" panose="020B0604020202020204" pitchFamily="34" charset="0"/>
+            </a:rPr>
+            <a:t>Adatom extraction is difficult</a:t>
+          </a:r>
+        </a:p>
+      </cdr:txBody>
+    </cdr:sp>
+  </cdr:relSizeAnchor>
+</c:userShapes>
+</file>
+
 <file path=ppt/slideLayouts/slideLayout1.xml><?xml version="1.0" encoding="utf-8"?>
 <p:sldLayout xmlns:a="http://schemas.openxmlformats.org/drawingml/2006/main" xmlns:r="http://schemas.openxmlformats.org/officeDocument/2006/relationships" xmlns:p="http://schemas.openxmlformats.org/presentationml/2006/main" type="title" preserve="1">
   <p:cSld name="Title Slide">
@@ -1231,7 +2905,7 @@
           <a:p>
             <a:fld id="{81DD9E49-0831-7F4A-BD39-8B4C948BC6B9}" type="datetimeFigureOut">
               <a:rPr lang="en-US" smtClean="0"/>
-              <a:t>8/7/21</a:t>
+              <a:t>8/8/21</a:t>
             </a:fld>
             <a:endParaRPr lang="en-US"/>
           </a:p>
@@ -1429,7 +3103,7 @@
           <a:p>
             <a:fld id="{81DD9E49-0831-7F4A-BD39-8B4C948BC6B9}" type="datetimeFigureOut">
               <a:rPr lang="en-US" smtClean="0"/>
-              <a:t>8/7/21</a:t>
+              <a:t>8/8/21</a:t>
             </a:fld>
             <a:endParaRPr lang="en-US"/>
           </a:p>
@@ -1637,7 +3311,7 @@
           <a:p>
             <a:fld id="{81DD9E49-0831-7F4A-BD39-8B4C948BC6B9}" type="datetimeFigureOut">
               <a:rPr lang="en-US" smtClean="0"/>
-              <a:t>8/7/21</a:t>
+              <a:t>8/8/21</a:t>
             </a:fld>
             <a:endParaRPr lang="en-US"/>
           </a:p>
@@ -1835,7 +3509,7 @@
           <a:p>
             <a:fld id="{81DD9E49-0831-7F4A-BD39-8B4C948BC6B9}" type="datetimeFigureOut">
               <a:rPr lang="en-US" smtClean="0"/>
-              <a:t>8/7/21</a:t>
+              <a:t>8/8/21</a:t>
             </a:fld>
             <a:endParaRPr lang="en-US"/>
           </a:p>
@@ -2110,7 +3784,7 @@
           <a:p>
             <a:fld id="{81DD9E49-0831-7F4A-BD39-8B4C948BC6B9}" type="datetimeFigureOut">
               <a:rPr lang="en-US" smtClean="0"/>
-              <a:t>8/7/21</a:t>
+              <a:t>8/8/21</a:t>
             </a:fld>
             <a:endParaRPr lang="en-US"/>
           </a:p>
@@ -2375,7 +4049,7 @@
           <a:p>
             <a:fld id="{81DD9E49-0831-7F4A-BD39-8B4C948BC6B9}" type="datetimeFigureOut">
               <a:rPr lang="en-US" smtClean="0"/>
-              <a:t>8/7/21</a:t>
+              <a:t>8/8/21</a:t>
             </a:fld>
             <a:endParaRPr lang="en-US"/>
           </a:p>
@@ -2787,7 +4461,7 @@
           <a:p>
             <a:fld id="{81DD9E49-0831-7F4A-BD39-8B4C948BC6B9}" type="datetimeFigureOut">
               <a:rPr lang="en-US" smtClean="0"/>
-              <a:t>8/7/21</a:t>
+              <a:t>8/8/21</a:t>
             </a:fld>
             <a:endParaRPr lang="en-US"/>
           </a:p>
@@ -2928,7 +4602,7 @@
           <a:p>
             <a:fld id="{81DD9E49-0831-7F4A-BD39-8B4C948BC6B9}" type="datetimeFigureOut">
               <a:rPr lang="en-US" smtClean="0"/>
-              <a:t>8/7/21</a:t>
+              <a:t>8/8/21</a:t>
             </a:fld>
             <a:endParaRPr lang="en-US"/>
           </a:p>
@@ -3041,7 +4715,7 @@
           <a:p>
             <a:fld id="{81DD9E49-0831-7F4A-BD39-8B4C948BC6B9}" type="datetimeFigureOut">
               <a:rPr lang="en-US" smtClean="0"/>
-              <a:t>8/7/21</a:t>
+              <a:t>8/8/21</a:t>
             </a:fld>
             <a:endParaRPr lang="en-US"/>
           </a:p>
@@ -3352,7 +5026,7 @@
           <a:p>
             <a:fld id="{81DD9E49-0831-7F4A-BD39-8B4C948BC6B9}" type="datetimeFigureOut">
               <a:rPr lang="en-US" smtClean="0"/>
-              <a:t>8/7/21</a:t>
+              <a:t>8/8/21</a:t>
             </a:fld>
             <a:endParaRPr lang="en-US"/>
           </a:p>
@@ -3640,7 +5314,7 @@
           <a:p>
             <a:fld id="{81DD9E49-0831-7F4A-BD39-8B4C948BC6B9}" type="datetimeFigureOut">
               <a:rPr lang="en-US" smtClean="0"/>
-              <a:t>8/7/21</a:t>
+              <a:t>8/8/21</a:t>
             </a:fld>
             <a:endParaRPr lang="en-US"/>
           </a:p>
@@ -3881,7 +5555,7 @@
           <a:p>
             <a:fld id="{81DD9E49-0831-7F4A-BD39-8B4C948BC6B9}" type="datetimeFigureOut">
               <a:rPr lang="en-US" smtClean="0"/>
-              <a:t>8/7/21</a:t>
+              <a:t>8/8/21</a:t>
             </a:fld>
             <a:endParaRPr lang="en-US"/>
           </a:p>
@@ -4419,6 +6093,66 @@
 </p:sld>
 </file>
 
+<file path=ppt/slides/slide2.xml><?xml version="1.0" encoding="utf-8"?>
+<p:sld xmlns:a="http://schemas.openxmlformats.org/drawingml/2006/main" xmlns:r="http://schemas.openxmlformats.org/officeDocument/2006/relationships" xmlns:p="http://schemas.openxmlformats.org/presentationml/2006/main">
+  <p:cSld>
+    <p:spTree>
+      <p:nvGrpSpPr>
+        <p:cNvPr id="1" name=""/>
+        <p:cNvGrpSpPr/>
+        <p:nvPr/>
+      </p:nvGrpSpPr>
+      <p:grpSpPr>
+        <a:xfrm>
+          <a:off x="0" y="0"/>
+          <a:ext cx="0" cy="0"/>
+          <a:chOff x="0" y="0"/>
+          <a:chExt cx="0" cy="0"/>
+        </a:xfrm>
+      </p:grpSpPr>
+      <p:graphicFrame>
+        <p:nvGraphicFramePr>
+          <p:cNvPr id="2" name="Chart 1">
+            <a:extLst>
+              <a:ext uri="{FF2B5EF4-FFF2-40B4-BE49-F238E27FC236}">
+                <a16:creationId xmlns:a16="http://schemas.microsoft.com/office/drawing/2014/main" id="{04C3BC52-CA7D-1F4B-A356-B99EA0DF1554}"/>
+              </a:ext>
+            </a:extLst>
+          </p:cNvPr>
+          <p:cNvGraphicFramePr>
+            <a:graphicFrameLocks/>
+          </p:cNvGraphicFramePr>
+          <p:nvPr>
+            <p:extLst>
+              <p:ext uri="{D42A27DB-BD31-4B8C-83A1-F6EECF244321}">
+                <p14:modId xmlns:p14="http://schemas.microsoft.com/office/powerpoint/2010/main" val="1874833254"/>
+              </p:ext>
+            </p:extLst>
+          </p:nvPr>
+        </p:nvGraphicFramePr>
+        <p:xfrm>
+          <a:off x="2346798" y="1042770"/>
+          <a:ext cx="7498404" cy="4772460"/>
+        </p:xfrm>
+        <a:graphic>
+          <a:graphicData uri="http://schemas.openxmlformats.org/drawingml/2006/chart">
+            <c:chart xmlns:c="http://schemas.openxmlformats.org/drawingml/2006/chart" xmlns:r="http://schemas.openxmlformats.org/officeDocument/2006/relationships" r:id="rId2"/>
+          </a:graphicData>
+        </a:graphic>
+      </p:graphicFrame>
+    </p:spTree>
+    <p:extLst>
+      <p:ext uri="{BB962C8B-B14F-4D97-AF65-F5344CB8AC3E}">
+        <p14:creationId xmlns:p14="http://schemas.microsoft.com/office/powerpoint/2010/main" val="921952475"/>
+      </p:ext>
+    </p:extLst>
+  </p:cSld>
+  <p:clrMapOvr>
+    <a:masterClrMapping/>
+  </p:clrMapOvr>
+</p:sld>
+</file>
+
 <file path=ppt/theme/theme1.xml><?xml version="1.0" encoding="utf-8"?>
 <a:theme xmlns:a="http://schemas.openxmlformats.org/drawingml/2006/main" name="Office Theme">
   <a:themeElements>

--- a/correlation-to-add.pptx
+++ b/correlation-to-add.pptx
@@ -581,7 +581,7 @@
                   <a:bodyPr/>
                   <a:lstStyle/>
                   <a:p>
-                    <a:fld id="{74655D7C-D892-4246-B9DF-01383776488E}" type="CELLRANGE">
+                    <a:fld id="{9D7DDBB8-C0D6-AD44-B6F2-96E65436412D}" type="CELLRANGE">
                       <a:rPr lang="en-US"/>
                       <a:pPr/>
                       <a:t>[CELLRANGE]</a:t>
@@ -604,7 +604,7 @@
                   <c15:showDataLabelsRange val="1"/>
                 </c:ext>
                 <c:ext xmlns:c16="http://schemas.microsoft.com/office/drawing/2014/chart" uri="{C3380CC4-5D6E-409C-BE32-E72D297353CC}">
-                  <c16:uniqueId val="{00000000-7DA5-E446-857E-1A442F19ED87}"/>
+                  <c16:uniqueId val="{00000000-E69C-C340-B70C-9119065A3DE7}"/>
                 </c:ext>
               </c:extLst>
             </c:dLbl>
@@ -615,7 +615,7 @@
                   <a:bodyPr/>
                   <a:lstStyle/>
                   <a:p>
-                    <a:fld id="{9E3CD877-2019-564F-842C-057C751A7973}" type="CELLRANGE">
+                    <a:fld id="{2291C218-C4A7-F444-A24A-BF8156DD81DE}" type="CELLRANGE">
                       <a:rPr lang="en-US"/>
                       <a:pPr/>
                       <a:t>[CELLRANGE]</a:t>
@@ -638,7 +638,7 @@
                   <c15:showDataLabelsRange val="1"/>
                 </c:ext>
                 <c:ext xmlns:c16="http://schemas.microsoft.com/office/drawing/2014/chart" uri="{C3380CC4-5D6E-409C-BE32-E72D297353CC}">
-                  <c16:uniqueId val="{00000001-7DA5-E446-857E-1A442F19ED87}"/>
+                  <c16:uniqueId val="{00000001-E69C-C340-B70C-9119065A3DE7}"/>
                 </c:ext>
               </c:extLst>
             </c:dLbl>
@@ -649,7 +649,7 @@
                   <a:bodyPr/>
                   <a:lstStyle/>
                   <a:p>
-                    <a:fld id="{51C46E90-1BAC-4742-9726-B0FC2A4AC1F8}" type="CELLRANGE">
+                    <a:fld id="{5923A16F-646E-F940-A757-5E3A35D5FC3A}" type="CELLRANGE">
                       <a:rPr lang="en-US"/>
                       <a:pPr/>
                       <a:t>[CELLRANGE]</a:t>
@@ -672,12 +672,14 @@
                   <c15:showDataLabelsRange val="1"/>
                 </c:ext>
                 <c:ext xmlns:c16="http://schemas.microsoft.com/office/drawing/2014/chart" uri="{C3380CC4-5D6E-409C-BE32-E72D297353CC}">
-                  <c16:uniqueId val="{00000002-7DA5-E446-857E-1A442F19ED87}"/>
+                  <c16:uniqueId val="{00000002-E69C-C340-B70C-9119065A3DE7}"/>
                 </c:ext>
               </c:extLst>
             </c:dLbl>
             <c:spPr>
-              <a:noFill/>
+              <a:solidFill>
+                <a:schemeClr val="bg1"/>
+              </a:solidFill>
               <a:ln>
                 <a:noFill/>
               </a:ln>
@@ -790,7 +792,7 @@
               </c15:datalabelsRange>
             </c:ext>
             <c:ext xmlns:c16="http://schemas.microsoft.com/office/drawing/2014/chart" uri="{C3380CC4-5D6E-409C-BE32-E72D297353CC}">
-              <c16:uniqueId val="{00000003-7DA5-E446-857E-1A442F19ED87}"/>
+              <c16:uniqueId val="{00000003-E69C-C340-B70C-9119065A3DE7}"/>
             </c:ext>
           </c:extLst>
         </c:ser>
@@ -821,15 +823,16 @@
           </c:marker>
           <c:trendline>
             <c:spPr>
-              <a:ln w="38100" cap="rnd">
+              <a:ln w="50800" cap="rnd">
                 <a:solidFill>
                   <a:srgbClr val="FF0000"/>
                 </a:solidFill>
-                <a:prstDash val="sysDot"/>
+                <a:prstDash val="solid"/>
               </a:ln>
               <a:effectLst/>
             </c:spPr>
             <c:trendlineType val="linear"/>
+            <c:forward val="0.1"/>
             <c:backward val="0.4"/>
             <c:dispRSqr val="0"/>
             <c:dispEq val="0"/>
@@ -873,7 +876,7 @@
           <c:smooth val="0"/>
           <c:extLst>
             <c:ext xmlns:c16="http://schemas.microsoft.com/office/drawing/2014/chart" uri="{C3380CC4-5D6E-409C-BE32-E72D297353CC}">
-              <c16:uniqueId val="{00000005-7DA5-E446-857E-1A442F19ED87}"/>
+              <c16:uniqueId val="{00000005-E69C-C340-B70C-9119065A3DE7}"/>
             </c:ext>
           </c:extLst>
         </c:ser>
@@ -881,7 +884,7 @@
           <c:idx val="2"/>
           <c:order val="2"/>
           <c:spPr>
-            <a:ln w="38100" cap="rnd">
+            <a:ln w="50800" cap="rnd">
               <a:solidFill>
                 <a:srgbClr val="00B050"/>
               </a:solidFill>
@@ -925,7 +928,188 @@
           <c:smooth val="0"/>
           <c:extLst>
             <c:ext xmlns:c16="http://schemas.microsoft.com/office/drawing/2014/chart" uri="{C3380CC4-5D6E-409C-BE32-E72D297353CC}">
-              <c16:uniqueId val="{00000006-7DA5-E446-857E-1A442F19ED87}"/>
+              <c16:uniqueId val="{00000006-E69C-C340-B70C-9119065A3DE7}"/>
+            </c:ext>
+          </c:extLst>
+        </c:ser>
+        <c:ser>
+          <c:idx val="3"/>
+          <c:order val="3"/>
+          <c:spPr>
+            <a:ln w="44450" cap="rnd">
+              <a:solidFill>
+                <a:srgbClr val="00B050"/>
+              </a:solidFill>
+              <a:prstDash val="sysDot"/>
+              <a:round/>
+            </a:ln>
+            <a:effectLst/>
+          </c:spPr>
+          <c:marker>
+            <c:symbol val="none"/>
+          </c:marker>
+          <c:xVal>
+            <c:numRef>
+              <c:f>Sheet1!$A$12:$A$13</c:f>
+              <c:numCache>
+                <c:formatCode>General</c:formatCode>
+                <c:ptCount val="2"/>
+                <c:pt idx="0">
+                  <c:v>0</c:v>
+                </c:pt>
+                <c:pt idx="1">
+                  <c:v>1.5</c:v>
+                </c:pt>
+              </c:numCache>
+            </c:numRef>
+          </c:xVal>
+          <c:yVal>
+            <c:numRef>
+              <c:f>Sheet1!$B$12:$B$13</c:f>
+              <c:numCache>
+                <c:formatCode>General</c:formatCode>
+                <c:ptCount val="2"/>
+                <c:pt idx="0">
+                  <c:v>1.35</c:v>
+                </c:pt>
+                <c:pt idx="1">
+                  <c:v>0.57750000000000012</c:v>
+                </c:pt>
+              </c:numCache>
+            </c:numRef>
+          </c:yVal>
+          <c:smooth val="0"/>
+          <c:extLst>
+            <c:ext xmlns:c16="http://schemas.microsoft.com/office/drawing/2014/chart" uri="{C3380CC4-5D6E-409C-BE32-E72D297353CC}">
+              <c16:uniqueId val="{00000007-E69C-C340-B70C-9119065A3DE7}"/>
+            </c:ext>
+          </c:extLst>
+        </c:ser>
+        <c:ser>
+          <c:idx val="4"/>
+          <c:order val="4"/>
+          <c:spPr>
+            <a:ln w="34925" cap="rnd">
+              <a:solidFill>
+                <a:srgbClr val="00B050"/>
+              </a:solidFill>
+              <a:prstDash val="sysDot"/>
+              <a:round/>
+            </a:ln>
+            <a:effectLst/>
+          </c:spPr>
+          <c:marker>
+            <c:symbol val="none"/>
+          </c:marker>
+          <c:xVal>
+            <c:numRef>
+              <c:f>Sheet1!$A$15:$A$16</c:f>
+              <c:numCache>
+                <c:formatCode>General</c:formatCode>
+                <c:ptCount val="2"/>
+                <c:pt idx="0">
+                  <c:v>0</c:v>
+                </c:pt>
+                <c:pt idx="1">
+                  <c:v>1.5</c:v>
+                </c:pt>
+              </c:numCache>
+            </c:numRef>
+          </c:xVal>
+          <c:yVal>
+            <c:numRef>
+              <c:f>Sheet1!$B$15:$B$16</c:f>
+              <c:numCache>
+                <c:formatCode>General</c:formatCode>
+                <c:ptCount val="2"/>
+                <c:pt idx="0">
+                  <c:v>1.75</c:v>
+                </c:pt>
+                <c:pt idx="1">
+                  <c:v>0.97750000000000004</c:v>
+                </c:pt>
+              </c:numCache>
+            </c:numRef>
+          </c:yVal>
+          <c:smooth val="0"/>
+          <c:extLst>
+            <c:ext xmlns:c16="http://schemas.microsoft.com/office/drawing/2014/chart" uri="{C3380CC4-5D6E-409C-BE32-E72D297353CC}">
+              <c16:uniqueId val="{00000008-E69C-C340-B70C-9119065A3DE7}"/>
+            </c:ext>
+          </c:extLst>
+        </c:ser>
+        <c:ser>
+          <c:idx val="5"/>
+          <c:order val="5"/>
+          <c:spPr>
+            <a:ln w="19050" cap="rnd">
+              <a:solidFill>
+                <a:srgbClr val="00B050"/>
+              </a:solidFill>
+              <a:prstDash val="sysDot"/>
+              <a:round/>
+            </a:ln>
+            <a:effectLst/>
+          </c:spPr>
+          <c:marker>
+            <c:symbol val="none"/>
+          </c:marker>
+          <c:dPt>
+            <c:idx val="1"/>
+            <c:marker>
+              <c:symbol val="none"/>
+            </c:marker>
+            <c:bubble3D val="0"/>
+            <c:spPr>
+              <a:ln w="22225" cap="rnd">
+                <a:solidFill>
+                  <a:srgbClr val="00B050"/>
+                </a:solidFill>
+                <a:prstDash val="sysDot"/>
+                <a:round/>
+              </a:ln>
+              <a:effectLst/>
+            </c:spPr>
+            <c:extLst>
+              <c:ext xmlns:c16="http://schemas.microsoft.com/office/drawing/2014/chart" uri="{C3380CC4-5D6E-409C-BE32-E72D297353CC}">
+                <c16:uniqueId val="{0000000A-E69C-C340-B70C-9119065A3DE7}"/>
+              </c:ext>
+            </c:extLst>
+          </c:dPt>
+          <c:xVal>
+            <c:numRef>
+              <c:f>Sheet1!$A$18:$A$19</c:f>
+              <c:numCache>
+                <c:formatCode>General</c:formatCode>
+                <c:ptCount val="2"/>
+                <c:pt idx="0">
+                  <c:v>0</c:v>
+                </c:pt>
+                <c:pt idx="1">
+                  <c:v>1.5</c:v>
+                </c:pt>
+              </c:numCache>
+            </c:numRef>
+          </c:xVal>
+          <c:yVal>
+            <c:numRef>
+              <c:f>Sheet1!$B$18:$B$19</c:f>
+              <c:numCache>
+                <c:formatCode>General</c:formatCode>
+                <c:ptCount val="2"/>
+                <c:pt idx="0">
+                  <c:v>2.42</c:v>
+                </c:pt>
+                <c:pt idx="1">
+                  <c:v>1.6475</c:v>
+                </c:pt>
+              </c:numCache>
+            </c:numRef>
+          </c:yVal>
+          <c:smooth val="0"/>
+          <c:extLst>
+            <c:ext xmlns:c16="http://schemas.microsoft.com/office/drawing/2014/chart" uri="{C3380CC4-5D6E-409C-BE32-E72D297353CC}">
+              <c16:uniqueId val="{00000009-E69C-C340-B70C-9119065A3DE7}"/>
             </c:ext>
           </c:extLst>
         </c:ser>
@@ -944,6 +1128,7 @@
         <c:axId val="1627999344"/>
         <c:scaling>
           <c:orientation val="minMax"/>
+          <c:max val="1.5"/>
         </c:scaling>
         <c:delete val="0"/>
         <c:axPos val="b"/>
@@ -2366,12 +2551,12 @@
   </cdr:relSizeAnchor>
   <cdr:relSizeAnchor xmlns:cdr="http://schemas.openxmlformats.org/drawingml/2006/chartDrawing">
     <cdr:from>
-      <cdr:x>0.14713</cdr:x>
-      <cdr:y>0.69947</cdr:y>
+      <cdr:x>0.13687</cdr:x>
+      <cdr:y>0.64161</cdr:y>
     </cdr:from>
     <cdr:to>
-      <cdr:x>0.44302</cdr:x>
-      <cdr:y>0.78232</cdr:y>
+      <cdr:x>0.41677</cdr:x>
+      <cdr:y>0.7886</cdr:y>
     </cdr:to>
     <cdr:sp macro="" textlink="">
       <cdr:nvSpPr>
@@ -2386,8 +2571,8 @@
       </cdr:nvSpPr>
       <cdr:spPr>
         <a:xfrm xmlns:a="http://schemas.openxmlformats.org/drawingml/2006/main">
-          <a:off x="1103253" y="3338177"/>
-          <a:ext cx="2218704" cy="395399"/>
+          <a:off x="1028193" y="3070036"/>
+          <a:ext cx="2102562" cy="703314"/>
         </a:xfrm>
         <a:prstGeom xmlns:a="http://schemas.openxmlformats.org/drawingml/2006/main" prst="rect">
           <a:avLst/>
@@ -2397,7 +2582,7 @@
         <a:bodyPr xmlns:a="http://schemas.openxmlformats.org/drawingml/2006/main" vertOverflow="clip" wrap="square" rtlCol="0" anchor="ctr" anchorCtr="1"/>
         <a:lstStyle xmlns:a="http://schemas.openxmlformats.org/drawingml/2006/main"/>
         <a:p xmlns:a="http://schemas.openxmlformats.org/drawingml/2006/main">
-          <a:pPr algn="ctr"/>
+          <a:pPr algn="l"/>
           <a:r>
             <a:rPr lang="en-US" sz="1800" b="0" i="0">
               <a:solidFill>
@@ -2406,7 +2591,7 @@
               <a:latin typeface="Arial" panose="020B0604020202020204" pitchFamily="34" charset="0"/>
               <a:cs typeface="Arial" panose="020B0604020202020204" pitchFamily="34" charset="0"/>
             </a:rPr>
-            <a:t>Adatom catalysis</a:t>
+            <a:t>Competitive adatom catalysis</a:t>
           </a:r>
         </a:p>
       </cdr:txBody>
@@ -2414,127 +2599,12 @@
   </cdr:relSizeAnchor>
   <cdr:relSizeAnchor xmlns:cdr="http://schemas.openxmlformats.org/drawingml/2006/chartDrawing">
     <cdr:from>
-      <cdr:x>0.37915</cdr:x>
-      <cdr:y>0.33511</cdr:y>
+      <cdr:x>0.61502</cdr:x>
+      <cdr:y>0.45583</cdr:y>
     </cdr:from>
     <cdr:to>
-      <cdr:x>0.86126</cdr:x>
-      <cdr:y>0.41004</cdr:y>
-    </cdr:to>
-    <cdr:sp macro="" textlink="">
-      <cdr:nvSpPr>
-        <cdr:cNvPr id="4" name="TextBox 1">
-          <a:extLst xmlns:a="http://schemas.openxmlformats.org/drawingml/2006/main">
-            <a:ext uri="{FF2B5EF4-FFF2-40B4-BE49-F238E27FC236}">
-              <a16:creationId xmlns:a16="http://schemas.microsoft.com/office/drawing/2014/main" id="{4DCDEDA7-A9FA-694F-9B62-47D17F137D3F}"/>
-            </a:ext>
-          </a:extLst>
-        </cdr:cNvPr>
-        <cdr:cNvSpPr txBox="1"/>
-      </cdr:nvSpPr>
-      <cdr:spPr>
-        <a:xfrm xmlns:a="http://schemas.openxmlformats.org/drawingml/2006/main" rot="20700000">
-          <a:off x="2842992" y="1599305"/>
-          <a:ext cx="3615093" cy="357598"/>
-        </a:xfrm>
-        <a:prstGeom xmlns:a="http://schemas.openxmlformats.org/drawingml/2006/main" prst="rect">
-          <a:avLst/>
-        </a:prstGeom>
-        <a:noFill xmlns:a="http://schemas.openxmlformats.org/drawingml/2006/main"/>
-      </cdr:spPr>
-      <cdr:txBody>
-        <a:bodyPr xmlns:a="http://schemas.openxmlformats.org/drawingml/2006/main" wrap="square" rtlCol="0" anchor="ctr" anchorCtr="1">
-          <a:spAutoFit/>
-        </a:bodyPr>
-        <a:lstStyle xmlns:a="http://schemas.openxmlformats.org/drawingml/2006/main">
-          <a:lvl1pPr marL="0" indent="0">
-            <a:defRPr sz="1100">
-              <a:latin typeface="+mn-lt"/>
-              <a:ea typeface="+mn-ea"/>
-              <a:cs typeface="+mn-cs"/>
-            </a:defRPr>
-          </a:lvl1pPr>
-          <a:lvl2pPr marL="457200" indent="0">
-            <a:defRPr sz="1100">
-              <a:latin typeface="+mn-lt"/>
-              <a:ea typeface="+mn-ea"/>
-              <a:cs typeface="+mn-cs"/>
-            </a:defRPr>
-          </a:lvl2pPr>
-          <a:lvl3pPr marL="914400" indent="0">
-            <a:defRPr sz="1100">
-              <a:latin typeface="+mn-lt"/>
-              <a:ea typeface="+mn-ea"/>
-              <a:cs typeface="+mn-cs"/>
-            </a:defRPr>
-          </a:lvl3pPr>
-          <a:lvl4pPr marL="1371600" indent="0">
-            <a:defRPr sz="1100">
-              <a:latin typeface="+mn-lt"/>
-              <a:ea typeface="+mn-ea"/>
-              <a:cs typeface="+mn-cs"/>
-            </a:defRPr>
-          </a:lvl4pPr>
-          <a:lvl5pPr marL="1828800" indent="0">
-            <a:defRPr sz="1100">
-              <a:latin typeface="+mn-lt"/>
-              <a:ea typeface="+mn-ea"/>
-              <a:cs typeface="+mn-cs"/>
-            </a:defRPr>
-          </a:lvl5pPr>
-          <a:lvl6pPr marL="2286000" indent="0">
-            <a:defRPr sz="1100">
-              <a:latin typeface="+mn-lt"/>
-              <a:ea typeface="+mn-ea"/>
-              <a:cs typeface="+mn-cs"/>
-            </a:defRPr>
-          </a:lvl6pPr>
-          <a:lvl7pPr marL="2743200" indent="0">
-            <a:defRPr sz="1100">
-              <a:latin typeface="+mn-lt"/>
-              <a:ea typeface="+mn-ea"/>
-              <a:cs typeface="+mn-cs"/>
-            </a:defRPr>
-          </a:lvl7pPr>
-          <a:lvl8pPr marL="3200400" indent="0">
-            <a:defRPr sz="1100">
-              <a:latin typeface="+mn-lt"/>
-              <a:ea typeface="+mn-ea"/>
-              <a:cs typeface="+mn-cs"/>
-            </a:defRPr>
-          </a:lvl8pPr>
-          <a:lvl9pPr marL="3657600" indent="0">
-            <a:defRPr sz="1100">
-              <a:latin typeface="+mn-lt"/>
-              <a:ea typeface="+mn-ea"/>
-              <a:cs typeface="+mn-cs"/>
-            </a:defRPr>
-          </a:lvl9pPr>
-        </a:lstStyle>
-        <a:p xmlns:a="http://schemas.openxmlformats.org/drawingml/2006/main">
-          <a:pPr algn="ctr"/>
-          <a:r>
-            <a:rPr lang="en-US" sz="1800" b="0" i="0">
-              <a:solidFill>
-                <a:srgbClr val="FF0000"/>
-              </a:solidFill>
-              <a:latin typeface="Arial" panose="020B0604020202020204" pitchFamily="34" charset="0"/>
-              <a:cs typeface="Arial" panose="020B0604020202020204" pitchFamily="34" charset="0"/>
-            </a:rPr>
-            <a:t>Line of thermoneutral extraction</a:t>
-          </a:r>
-        </a:p>
-      </cdr:txBody>
-    </cdr:sp>
-  </cdr:relSizeAnchor>
-  <cdr:relSizeAnchor xmlns:cdr="http://schemas.openxmlformats.org/drawingml/2006/chartDrawing">
-    <cdr:from>
-      <cdr:x>0.56937</cdr:x>
-      <cdr:y>0.5038</cdr:y>
-    </cdr:from>
-    <cdr:to>
-      <cdr:x>0.8973</cdr:x>
-      <cdr:y>0.63923</cdr:y>
+      <cdr:x>0.94295</cdr:x>
+      <cdr:y>0.60238</cdr:y>
     </cdr:to>
     <cdr:sp macro="" textlink="">
       <cdr:nvSpPr>
@@ -2549,16 +2619,19 @@
       </cdr:nvSpPr>
       <cdr:spPr>
         <a:xfrm xmlns:a="http://schemas.openxmlformats.org/drawingml/2006/main">
-          <a:off x="4269366" y="2404367"/>
-          <a:ext cx="2458952" cy="646331"/>
+          <a:off x="4619978" y="2181096"/>
+          <a:ext cx="2463382" cy="701206"/>
         </a:xfrm>
         <a:prstGeom xmlns:a="http://schemas.openxmlformats.org/drawingml/2006/main" prst="rect">
           <a:avLst/>
         </a:prstGeom>
+        <a:solidFill xmlns:a="http://schemas.openxmlformats.org/drawingml/2006/main">
+          <a:schemeClr val="bg1"/>
+        </a:solidFill>
       </cdr:spPr>
       <cdr:txBody>
         <a:bodyPr xmlns:a="http://schemas.openxmlformats.org/drawingml/2006/main" vertOverflow="clip" horzOverflow="clip" wrap="square" rtlCol="0" anchor="ctr" anchorCtr="1">
-          <a:spAutoFit/>
+          <a:noAutofit/>
         </a:bodyPr>
         <a:lstStyle xmlns:a="http://schemas.openxmlformats.org/drawingml/2006/main">
           <a:lvl1pPr marL="0" indent="0">
@@ -2643,12 +2716,12 @@
   </cdr:relSizeAnchor>
   <cdr:relSizeAnchor xmlns:cdr="http://schemas.openxmlformats.org/drawingml/2006/chartDrawing">
     <cdr:from>
-      <cdr:x>0.14011</cdr:x>
-      <cdr:y>0.08534</cdr:y>
+      <cdr:x>0.20097</cdr:x>
+      <cdr:y>0.05526</cdr:y>
     </cdr:from>
     <cdr:to>
-      <cdr:x>0.57117</cdr:x>
-      <cdr:y>0.16027</cdr:y>
+      <cdr:x>0.63203</cdr:x>
+      <cdr:y>0.13019</cdr:y>
     </cdr:to>
     <cdr:sp macro="" textlink="">
       <cdr:nvSpPr>
@@ -2663,8 +2736,8 @@
       </cdr:nvSpPr>
       <cdr:spPr>
         <a:xfrm xmlns:a="http://schemas.openxmlformats.org/drawingml/2006/main">
-          <a:off x="1050586" y="407293"/>
-          <a:ext cx="3232286" cy="357598"/>
+          <a:off x="1509694" y="264414"/>
+          <a:ext cx="3238086" cy="358531"/>
         </a:xfrm>
         <a:prstGeom xmlns:a="http://schemas.openxmlformats.org/drawingml/2006/main" prst="rect">
           <a:avLst/>
@@ -2744,12 +2817,129 @@
           <a:r>
             <a:rPr lang="en-US" sz="1800" b="0" i="0">
               <a:solidFill>
-                <a:schemeClr val="accent2"/>
+                <a:srgbClr val="FF0000"/>
               </a:solidFill>
               <a:latin typeface="Arial" panose="020B0604020202020204" pitchFamily="34" charset="0"/>
               <a:cs typeface="Arial" panose="020B0604020202020204" pitchFamily="34" charset="0"/>
             </a:rPr>
             <a:t>Adatom extraction is difficult</a:t>
+          </a:r>
+        </a:p>
+      </cdr:txBody>
+    </cdr:sp>
+  </cdr:relSizeAnchor>
+  <cdr:relSizeAnchor xmlns:cdr="http://schemas.openxmlformats.org/drawingml/2006/chartDrawing">
+    <cdr:from>
+      <cdr:x>0.27721</cdr:x>
+      <cdr:y>0.35937</cdr:y>
+    </cdr:from>
+    <cdr:to>
+      <cdr:x>0.87002</cdr:x>
+      <cdr:y>0.43434</cdr:y>
+    </cdr:to>
+    <cdr:sp macro="" textlink="">
+      <cdr:nvSpPr>
+        <cdr:cNvPr id="4" name="TextBox 1">
+          <a:extLst xmlns:a="http://schemas.openxmlformats.org/drawingml/2006/main">
+            <a:ext uri="{FF2B5EF4-FFF2-40B4-BE49-F238E27FC236}">
+              <a16:creationId xmlns:a16="http://schemas.microsoft.com/office/drawing/2014/main" id="{4DCDEDA7-A9FA-694F-9B62-47D17F137D3F}"/>
+            </a:ext>
+          </a:extLst>
+        </cdr:cNvPr>
+        <cdr:cNvSpPr txBox="1"/>
+      </cdr:nvSpPr>
+      <cdr:spPr>
+        <a:xfrm xmlns:a="http://schemas.openxmlformats.org/drawingml/2006/main" rot="20700000">
+          <a:off x="2082402" y="1719535"/>
+          <a:ext cx="4453111" cy="358722"/>
+        </a:xfrm>
+        <a:prstGeom xmlns:a="http://schemas.openxmlformats.org/drawingml/2006/main" prst="rect">
+          <a:avLst/>
+        </a:prstGeom>
+        <a:solidFill xmlns:a="http://schemas.openxmlformats.org/drawingml/2006/main">
+          <a:schemeClr val="bg1"/>
+        </a:solidFill>
+      </cdr:spPr>
+      <cdr:txBody>
+        <a:bodyPr xmlns:a="http://schemas.openxmlformats.org/drawingml/2006/main" wrap="square" rtlCol="0" anchor="ctr" anchorCtr="1">
+          <a:spAutoFit/>
+        </a:bodyPr>
+        <a:lstStyle xmlns:a="http://schemas.openxmlformats.org/drawingml/2006/main">
+          <a:lvl1pPr marL="0" indent="0">
+            <a:defRPr sz="1100">
+              <a:latin typeface="+mn-lt"/>
+              <a:ea typeface="+mn-ea"/>
+              <a:cs typeface="+mn-cs"/>
+            </a:defRPr>
+          </a:lvl1pPr>
+          <a:lvl2pPr marL="457200" indent="0">
+            <a:defRPr sz="1100">
+              <a:latin typeface="+mn-lt"/>
+              <a:ea typeface="+mn-ea"/>
+              <a:cs typeface="+mn-cs"/>
+            </a:defRPr>
+          </a:lvl2pPr>
+          <a:lvl3pPr marL="914400" indent="0">
+            <a:defRPr sz="1100">
+              <a:latin typeface="+mn-lt"/>
+              <a:ea typeface="+mn-ea"/>
+              <a:cs typeface="+mn-cs"/>
+            </a:defRPr>
+          </a:lvl3pPr>
+          <a:lvl4pPr marL="1371600" indent="0">
+            <a:defRPr sz="1100">
+              <a:latin typeface="+mn-lt"/>
+              <a:ea typeface="+mn-ea"/>
+              <a:cs typeface="+mn-cs"/>
+            </a:defRPr>
+          </a:lvl4pPr>
+          <a:lvl5pPr marL="1828800" indent="0">
+            <a:defRPr sz="1100">
+              <a:latin typeface="+mn-lt"/>
+              <a:ea typeface="+mn-ea"/>
+              <a:cs typeface="+mn-cs"/>
+            </a:defRPr>
+          </a:lvl5pPr>
+          <a:lvl6pPr marL="2286000" indent="0">
+            <a:defRPr sz="1100">
+              <a:latin typeface="+mn-lt"/>
+              <a:ea typeface="+mn-ea"/>
+              <a:cs typeface="+mn-cs"/>
+            </a:defRPr>
+          </a:lvl6pPr>
+          <a:lvl7pPr marL="2743200" indent="0">
+            <a:defRPr sz="1100">
+              <a:latin typeface="+mn-lt"/>
+              <a:ea typeface="+mn-ea"/>
+              <a:cs typeface="+mn-cs"/>
+            </a:defRPr>
+          </a:lvl7pPr>
+          <a:lvl8pPr marL="3200400" indent="0">
+            <a:defRPr sz="1100">
+              <a:latin typeface="+mn-lt"/>
+              <a:ea typeface="+mn-ea"/>
+              <a:cs typeface="+mn-cs"/>
+            </a:defRPr>
+          </a:lvl8pPr>
+          <a:lvl9pPr marL="3657600" indent="0">
+            <a:defRPr sz="1100">
+              <a:latin typeface="+mn-lt"/>
+              <a:ea typeface="+mn-ea"/>
+              <a:cs typeface="+mn-cs"/>
+            </a:defRPr>
+          </a:lvl9pPr>
+        </a:lstStyle>
+        <a:p xmlns:a="http://schemas.openxmlformats.org/drawingml/2006/main">
+          <a:pPr algn="ctr"/>
+          <a:r>
+            <a:rPr lang="en-US" sz="1800" b="0" i="0">
+              <a:solidFill>
+                <a:srgbClr val="FF0000"/>
+              </a:solidFill>
+              <a:latin typeface="Arial" panose="020B0604020202020204" pitchFamily="34" charset="0"/>
+              <a:cs typeface="Arial" panose="020B0604020202020204" pitchFamily="34" charset="0"/>
+            </a:rPr>
+            <a:t>Line of thermoneutral assisted extraction</a:t>
           </a:r>
         </a:p>
       </cdr:txBody>
@@ -2905,7 +3095,7 @@
           <a:p>
             <a:fld id="{81DD9E49-0831-7F4A-BD39-8B4C948BC6B9}" type="datetimeFigureOut">
               <a:rPr lang="en-US" smtClean="0"/>
-              <a:t>8/8/21</a:t>
+              <a:t>8/16/21</a:t>
             </a:fld>
             <a:endParaRPr lang="en-US"/>
           </a:p>
@@ -3103,7 +3293,7 @@
           <a:p>
             <a:fld id="{81DD9E49-0831-7F4A-BD39-8B4C948BC6B9}" type="datetimeFigureOut">
               <a:rPr lang="en-US" smtClean="0"/>
-              <a:t>8/8/21</a:t>
+              <a:t>8/16/21</a:t>
             </a:fld>
             <a:endParaRPr lang="en-US"/>
           </a:p>
@@ -3311,7 +3501,7 @@
           <a:p>
             <a:fld id="{81DD9E49-0831-7F4A-BD39-8B4C948BC6B9}" type="datetimeFigureOut">
               <a:rPr lang="en-US" smtClean="0"/>
-              <a:t>8/8/21</a:t>
+              <a:t>8/16/21</a:t>
             </a:fld>
             <a:endParaRPr lang="en-US"/>
           </a:p>
@@ -3509,7 +3699,7 @@
           <a:p>
             <a:fld id="{81DD9E49-0831-7F4A-BD39-8B4C948BC6B9}" type="datetimeFigureOut">
               <a:rPr lang="en-US" smtClean="0"/>
-              <a:t>8/8/21</a:t>
+              <a:t>8/16/21</a:t>
             </a:fld>
             <a:endParaRPr lang="en-US"/>
           </a:p>
@@ -3784,7 +3974,7 @@
           <a:p>
             <a:fld id="{81DD9E49-0831-7F4A-BD39-8B4C948BC6B9}" type="datetimeFigureOut">
               <a:rPr lang="en-US" smtClean="0"/>
-              <a:t>8/8/21</a:t>
+              <a:t>8/16/21</a:t>
             </a:fld>
             <a:endParaRPr lang="en-US"/>
           </a:p>
@@ -4049,7 +4239,7 @@
           <a:p>
             <a:fld id="{81DD9E49-0831-7F4A-BD39-8B4C948BC6B9}" type="datetimeFigureOut">
               <a:rPr lang="en-US" smtClean="0"/>
-              <a:t>8/8/21</a:t>
+              <a:t>8/16/21</a:t>
             </a:fld>
             <a:endParaRPr lang="en-US"/>
           </a:p>
@@ -4461,7 +4651,7 @@
           <a:p>
             <a:fld id="{81DD9E49-0831-7F4A-BD39-8B4C948BC6B9}" type="datetimeFigureOut">
               <a:rPr lang="en-US" smtClean="0"/>
-              <a:t>8/8/21</a:t>
+              <a:t>8/16/21</a:t>
             </a:fld>
             <a:endParaRPr lang="en-US"/>
           </a:p>
@@ -4602,7 +4792,7 @@
           <a:p>
             <a:fld id="{81DD9E49-0831-7F4A-BD39-8B4C948BC6B9}" type="datetimeFigureOut">
               <a:rPr lang="en-US" smtClean="0"/>
-              <a:t>8/8/21</a:t>
+              <a:t>8/16/21</a:t>
             </a:fld>
             <a:endParaRPr lang="en-US"/>
           </a:p>
@@ -4715,7 +4905,7 @@
           <a:p>
             <a:fld id="{81DD9E49-0831-7F4A-BD39-8B4C948BC6B9}" type="datetimeFigureOut">
               <a:rPr lang="en-US" smtClean="0"/>
-              <a:t>8/8/21</a:t>
+              <a:t>8/16/21</a:t>
             </a:fld>
             <a:endParaRPr lang="en-US"/>
           </a:p>
@@ -5026,7 +5216,7 @@
           <a:p>
             <a:fld id="{81DD9E49-0831-7F4A-BD39-8B4C948BC6B9}" type="datetimeFigureOut">
               <a:rPr lang="en-US" smtClean="0"/>
-              <a:t>8/8/21</a:t>
+              <a:t>8/16/21</a:t>
             </a:fld>
             <a:endParaRPr lang="en-US"/>
           </a:p>
@@ -5314,7 +5504,7 @@
           <a:p>
             <a:fld id="{81DD9E49-0831-7F4A-BD39-8B4C948BC6B9}" type="datetimeFigureOut">
               <a:rPr lang="en-US" smtClean="0"/>
-              <a:t>8/8/21</a:t>
+              <a:t>8/16/21</a:t>
             </a:fld>
             <a:endParaRPr lang="en-US"/>
           </a:p>
@@ -5555,7 +5745,7 @@
           <a:p>
             <a:fld id="{81DD9E49-0831-7F4A-BD39-8B4C948BC6B9}" type="datetimeFigureOut">
               <a:rPr lang="en-US" smtClean="0"/>
-              <a:t>8/8/21</a:t>
+              <a:t>8/16/21</a:t>
             </a:fld>
             <a:endParaRPr lang="en-US"/>
           </a:p>
@@ -6112,7 +6302,7 @@
       </p:grpSpPr>
       <p:graphicFrame>
         <p:nvGraphicFramePr>
-          <p:cNvPr id="2" name="Chart 1">
+          <p:cNvPr id="4" name="Chart 3">
             <a:extLst>
               <a:ext uri="{FF2B5EF4-FFF2-40B4-BE49-F238E27FC236}">
                 <a16:creationId xmlns:a16="http://schemas.microsoft.com/office/drawing/2014/main" id="{04C3BC52-CA7D-1F4B-A356-B99EA0DF1554}"/>
@@ -6125,14 +6315,14 @@
           <p:nvPr>
             <p:extLst>
               <p:ext uri="{D42A27DB-BD31-4B8C-83A1-F6EECF244321}">
-                <p14:modId xmlns:p14="http://schemas.microsoft.com/office/powerpoint/2010/main" val="1874833254"/>
+                <p14:modId xmlns:p14="http://schemas.microsoft.com/office/powerpoint/2010/main" val="3494706550"/>
               </p:ext>
             </p:extLst>
           </p:nvPr>
         </p:nvGraphicFramePr>
         <p:xfrm>
-          <a:off x="2346798" y="1042770"/>
-          <a:ext cx="7498404" cy="4772460"/>
+          <a:off x="2340042" y="1036555"/>
+          <a:ext cx="7511915" cy="4784890"/>
         </p:xfrm>
         <a:graphic>
           <a:graphicData uri="http://schemas.openxmlformats.org/drawingml/2006/chart">

--- a/correlation-to-add.pptx
+++ b/correlation-to-add.pptx
@@ -7,6 +7,7 @@
   <p:sldIdLst>
     <p:sldId id="256" r:id="rId2"/>
     <p:sldId id="257" r:id="rId3"/>
+    <p:sldId id="258" r:id="rId4"/>
   </p:sldIdLst>
   <p:sldSz cx="12192000" cy="6858000"/>
   <p:notesSz cx="6858000" cy="9144000"/>
@@ -581,7 +582,7 @@
                   <a:bodyPr/>
                   <a:lstStyle/>
                   <a:p>
-                    <a:fld id="{9D7DDBB8-C0D6-AD44-B6F2-96E65436412D}" type="CELLRANGE">
+                    <a:fld id="{52820DED-4FFF-8641-8AC3-384C68792130}" type="CELLRANGE">
                       <a:rPr lang="en-US"/>
                       <a:pPr/>
                       <a:t>[CELLRANGE]</a:t>
@@ -615,7 +616,7 @@
                   <a:bodyPr/>
                   <a:lstStyle/>
                   <a:p>
-                    <a:fld id="{2291C218-C4A7-F444-A24A-BF8156DD81DE}" type="CELLRANGE">
+                    <a:fld id="{4F0360D6-6E0D-9048-AFEC-5D1CC9058566}" type="CELLRANGE">
                       <a:rPr lang="en-US"/>
                       <a:pPr/>
                       <a:t>[CELLRANGE]</a:t>
@@ -649,7 +650,7 @@
                   <a:bodyPr/>
                   <a:lstStyle/>
                   <a:p>
-                    <a:fld id="{5923A16F-646E-F940-A757-5E3A35D5FC3A}" type="CELLRANGE">
+                    <a:fld id="{002AAC07-A313-6547-8DBA-C37592477D3D}" type="CELLRANGE">
                       <a:rPr lang="en-US"/>
                       <a:pPr/>
                       <a:t>[CELLRANGE]</a:t>
@@ -6343,6 +6344,440 @@
 </p:sld>
 </file>
 
+<file path=ppt/slides/slide3.xml><?xml version="1.0" encoding="utf-8"?>
+<p:sld xmlns:a="http://schemas.openxmlformats.org/drawingml/2006/main" xmlns:r="http://schemas.openxmlformats.org/officeDocument/2006/relationships" xmlns:p="http://schemas.openxmlformats.org/presentationml/2006/main">
+  <p:cSld>
+    <p:spTree>
+      <p:nvGrpSpPr>
+        <p:cNvPr id="1" name=""/>
+        <p:cNvGrpSpPr/>
+        <p:nvPr/>
+      </p:nvGrpSpPr>
+      <p:grpSpPr>
+        <a:xfrm>
+          <a:off x="0" y="0"/>
+          <a:ext cx="0" cy="0"/>
+          <a:chOff x="0" y="0"/>
+          <a:chExt cx="0" cy="0"/>
+        </a:xfrm>
+      </p:grpSpPr>
+      <p:pic>
+        <p:nvPicPr>
+          <p:cNvPr id="3" name="Picture 2">
+            <a:extLst>
+              <a:ext uri="{FF2B5EF4-FFF2-40B4-BE49-F238E27FC236}">
+                <a16:creationId xmlns:a16="http://schemas.microsoft.com/office/drawing/2014/main" id="{88AF1819-F6C6-B640-8EC4-98474C13FD98}"/>
+              </a:ext>
+            </a:extLst>
+          </p:cNvPr>
+          <p:cNvPicPr>
+            <a:picLocks noChangeAspect="1"/>
+          </p:cNvPicPr>
+          <p:nvPr/>
+        </p:nvPicPr>
+        <p:blipFill>
+          <a:blip r:embed="rId2"/>
+          <a:stretch>
+            <a:fillRect/>
+          </a:stretch>
+        </p:blipFill>
+        <p:spPr>
+          <a:xfrm>
+            <a:off x="571500" y="1454150"/>
+            <a:ext cx="11049000" cy="3949700"/>
+          </a:xfrm>
+          <a:prstGeom prst="rect">
+            <a:avLst/>
+          </a:prstGeom>
+        </p:spPr>
+      </p:pic>
+      <p:sp>
+        <p:nvSpPr>
+          <p:cNvPr id="4" name="TextBox 3">
+            <a:extLst>
+              <a:ext uri="{FF2B5EF4-FFF2-40B4-BE49-F238E27FC236}">
+                <a16:creationId xmlns:a16="http://schemas.microsoft.com/office/drawing/2014/main" id="{2CEEBA62-5C45-1A44-84A8-F2E01BC27B2B}"/>
+              </a:ext>
+            </a:extLst>
+          </p:cNvPr>
+          <p:cNvSpPr txBox="1"/>
+          <p:nvPr/>
+        </p:nvSpPr>
+        <p:spPr>
+          <a:xfrm>
+            <a:off x="6873073" y="4501662"/>
+            <a:ext cx="1768510" cy="369332"/>
+          </a:xfrm>
+          <a:prstGeom prst="rect">
+            <a:avLst/>
+          </a:prstGeom>
+          <a:noFill/>
+        </p:spPr>
+        <p:txBody>
+          <a:bodyPr wrap="square" rtlCol="0">
+            <a:spAutoFit/>
+          </a:bodyPr>
+          <a:lstStyle/>
+          <a:p>
+            <a:r>
+              <a:rPr lang="en-US" dirty="0"/>
+              <a:t>(0.44, 0.06)</a:t>
+            </a:r>
+          </a:p>
+        </p:txBody>
+      </p:sp>
+      <p:sp>
+        <p:nvSpPr>
+          <p:cNvPr id="5" name="TextBox 4">
+            <a:extLst>
+              <a:ext uri="{FF2B5EF4-FFF2-40B4-BE49-F238E27FC236}">
+                <a16:creationId xmlns:a16="http://schemas.microsoft.com/office/drawing/2014/main" id="{5C05ACCF-34E9-1D4A-A0FD-4CABBFDC4BD1}"/>
+              </a:ext>
+            </a:extLst>
+          </p:cNvPr>
+          <p:cNvSpPr txBox="1"/>
+          <p:nvPr/>
+        </p:nvSpPr>
+        <p:spPr>
+          <a:xfrm>
+            <a:off x="8050405" y="2684585"/>
+            <a:ext cx="1768510" cy="369332"/>
+          </a:xfrm>
+          <a:prstGeom prst="rect">
+            <a:avLst/>
+          </a:prstGeom>
+          <a:noFill/>
+        </p:spPr>
+        <p:txBody>
+          <a:bodyPr wrap="square" rtlCol="0">
+            <a:spAutoFit/>
+          </a:bodyPr>
+          <a:lstStyle/>
+          <a:p>
+            <a:r>
+              <a:rPr lang="en-US" dirty="0"/>
+              <a:t>(0.89, 0.90)</a:t>
+            </a:r>
+          </a:p>
+        </p:txBody>
+      </p:sp>
+      <p:sp>
+        <p:nvSpPr>
+          <p:cNvPr id="6" name="TextBox 5">
+            <a:extLst>
+              <a:ext uri="{FF2B5EF4-FFF2-40B4-BE49-F238E27FC236}">
+                <a16:creationId xmlns:a16="http://schemas.microsoft.com/office/drawing/2014/main" id="{219693F8-2C06-5942-9371-C236E3370B74}"/>
+              </a:ext>
+            </a:extLst>
+          </p:cNvPr>
+          <p:cNvSpPr txBox="1"/>
+          <p:nvPr/>
+        </p:nvSpPr>
+        <p:spPr>
+          <a:xfrm>
+            <a:off x="9851990" y="2053213"/>
+            <a:ext cx="1768510" cy="369332"/>
+          </a:xfrm>
+          <a:prstGeom prst="rect">
+            <a:avLst/>
+          </a:prstGeom>
+          <a:noFill/>
+        </p:spPr>
+        <p:txBody>
+          <a:bodyPr wrap="square" rtlCol="0">
+            <a:spAutoFit/>
+          </a:bodyPr>
+          <a:lstStyle/>
+          <a:p>
+            <a:r>
+              <a:rPr lang="en-US" dirty="0"/>
+              <a:t>(1.39, 1.29)</a:t>
+            </a:r>
+          </a:p>
+        </p:txBody>
+      </p:sp>
+      <p:sp>
+        <p:nvSpPr>
+          <p:cNvPr id="7" name="TextBox 6">
+            <a:extLst>
+              <a:ext uri="{FF2B5EF4-FFF2-40B4-BE49-F238E27FC236}">
+                <a16:creationId xmlns:a16="http://schemas.microsoft.com/office/drawing/2014/main" id="{1EA08E9F-4C5A-7E46-A858-45CE4BA9EC74}"/>
+              </a:ext>
+            </a:extLst>
+          </p:cNvPr>
+          <p:cNvSpPr txBox="1"/>
+          <p:nvPr/>
+        </p:nvSpPr>
+        <p:spPr>
+          <a:xfrm>
+            <a:off x="1277815" y="4421275"/>
+            <a:ext cx="1264418" cy="369332"/>
+          </a:xfrm>
+          <a:prstGeom prst="rect">
+            <a:avLst/>
+          </a:prstGeom>
+          <a:noFill/>
+        </p:spPr>
+        <p:txBody>
+          <a:bodyPr wrap="square" rtlCol="0">
+            <a:spAutoFit/>
+          </a:bodyPr>
+          <a:lstStyle/>
+          <a:p>
+            <a:r>
+              <a:rPr lang="en-US" dirty="0"/>
+              <a:t>(0.00)</a:t>
+            </a:r>
+          </a:p>
+        </p:txBody>
+      </p:sp>
+      <p:sp>
+        <p:nvSpPr>
+          <p:cNvPr id="8" name="TextBox 7">
+            <a:extLst>
+              <a:ext uri="{FF2B5EF4-FFF2-40B4-BE49-F238E27FC236}">
+                <a16:creationId xmlns:a16="http://schemas.microsoft.com/office/drawing/2014/main" id="{E01B55F4-09A1-0A4A-BB42-0075C29C7D38}"/>
+              </a:ext>
+            </a:extLst>
+          </p:cNvPr>
+          <p:cNvSpPr txBox="1"/>
+          <p:nvPr/>
+        </p:nvSpPr>
+        <p:spPr>
+          <a:xfrm>
+            <a:off x="2854779" y="3078983"/>
+            <a:ext cx="1264418" cy="369332"/>
+          </a:xfrm>
+          <a:prstGeom prst="rect">
+            <a:avLst/>
+          </a:prstGeom>
+          <a:noFill/>
+        </p:spPr>
+        <p:txBody>
+          <a:bodyPr wrap="square" rtlCol="0">
+            <a:spAutoFit/>
+          </a:bodyPr>
+          <a:lstStyle/>
+          <a:p>
+            <a:r>
+              <a:rPr lang="en-US" dirty="0">
+                <a:solidFill>
+                  <a:srgbClr val="016400"/>
+                </a:solidFill>
+              </a:rPr>
+              <a:t>(0.82)</a:t>
+            </a:r>
+          </a:p>
+        </p:txBody>
+      </p:sp>
+      <p:sp>
+        <p:nvSpPr>
+          <p:cNvPr id="9" name="TextBox 8">
+            <a:extLst>
+              <a:ext uri="{FF2B5EF4-FFF2-40B4-BE49-F238E27FC236}">
+                <a16:creationId xmlns:a16="http://schemas.microsoft.com/office/drawing/2014/main" id="{1A80B24D-2563-0D4E-97F7-DE0A0A0B922D}"/>
+              </a:ext>
+            </a:extLst>
+          </p:cNvPr>
+          <p:cNvSpPr txBox="1"/>
+          <p:nvPr/>
+        </p:nvSpPr>
+        <p:spPr>
+          <a:xfrm>
+            <a:off x="3486988" y="3378760"/>
+            <a:ext cx="1264418" cy="369332"/>
+          </a:xfrm>
+          <a:prstGeom prst="rect">
+            <a:avLst/>
+          </a:prstGeom>
+          <a:noFill/>
+        </p:spPr>
+        <p:txBody>
+          <a:bodyPr wrap="square" rtlCol="0">
+            <a:spAutoFit/>
+          </a:bodyPr>
+          <a:lstStyle/>
+          <a:p>
+            <a:r>
+              <a:rPr lang="en-US" dirty="0">
+                <a:solidFill>
+                  <a:srgbClr val="DBA520"/>
+                </a:solidFill>
+              </a:rPr>
+              <a:t>(0.47)</a:t>
+            </a:r>
+          </a:p>
+        </p:txBody>
+      </p:sp>
+      <p:sp>
+        <p:nvSpPr>
+          <p:cNvPr id="10" name="TextBox 9">
+            <a:extLst>
+              <a:ext uri="{FF2B5EF4-FFF2-40B4-BE49-F238E27FC236}">
+                <a16:creationId xmlns:a16="http://schemas.microsoft.com/office/drawing/2014/main" id="{2BBF470A-1EA9-C947-AC6C-8ECC58FC3F73}"/>
+              </a:ext>
+            </a:extLst>
+          </p:cNvPr>
+          <p:cNvSpPr txBox="1"/>
+          <p:nvPr/>
+        </p:nvSpPr>
+        <p:spPr>
+          <a:xfrm>
+            <a:off x="3327889" y="3928635"/>
+            <a:ext cx="1264418" cy="369332"/>
+          </a:xfrm>
+          <a:prstGeom prst="rect">
+            <a:avLst/>
+          </a:prstGeom>
+          <a:noFill/>
+        </p:spPr>
+        <p:txBody>
+          <a:bodyPr wrap="square" rtlCol="0">
+            <a:spAutoFit/>
+          </a:bodyPr>
+          <a:lstStyle/>
+          <a:p>
+            <a:r>
+              <a:rPr lang="en-US" dirty="0">
+                <a:solidFill>
+                  <a:srgbClr val="808080"/>
+                </a:solidFill>
+              </a:rPr>
+              <a:t>(0.40)</a:t>
+            </a:r>
+          </a:p>
+        </p:txBody>
+      </p:sp>
+      <p:sp>
+        <p:nvSpPr>
+          <p:cNvPr id="11" name="TextBox 10">
+            <a:extLst>
+              <a:ext uri="{FF2B5EF4-FFF2-40B4-BE49-F238E27FC236}">
+                <a16:creationId xmlns:a16="http://schemas.microsoft.com/office/drawing/2014/main" id="{4F840806-B921-4949-9A01-5C1B2FB7FC93}"/>
+              </a:ext>
+            </a:extLst>
+          </p:cNvPr>
+          <p:cNvSpPr txBox="1"/>
+          <p:nvPr/>
+        </p:nvSpPr>
+        <p:spPr>
+          <a:xfrm>
+            <a:off x="5138058" y="3008698"/>
+            <a:ext cx="1264418" cy="369332"/>
+          </a:xfrm>
+          <a:prstGeom prst="rect">
+            <a:avLst/>
+          </a:prstGeom>
+          <a:noFill/>
+        </p:spPr>
+        <p:txBody>
+          <a:bodyPr wrap="square" rtlCol="0">
+            <a:spAutoFit/>
+          </a:bodyPr>
+          <a:lstStyle/>
+          <a:p>
+            <a:r>
+              <a:rPr lang="en-US" dirty="0">
+                <a:solidFill>
+                  <a:srgbClr val="808080"/>
+                </a:solidFill>
+              </a:rPr>
+              <a:t>(0.89)</a:t>
+            </a:r>
+          </a:p>
+        </p:txBody>
+      </p:sp>
+      <p:sp>
+        <p:nvSpPr>
+          <p:cNvPr id="12" name="TextBox 11">
+            <a:extLst>
+              <a:ext uri="{FF2B5EF4-FFF2-40B4-BE49-F238E27FC236}">
+                <a16:creationId xmlns:a16="http://schemas.microsoft.com/office/drawing/2014/main" id="{B503743E-B1C5-0C4E-ACEC-33428A603EDE}"/>
+              </a:ext>
+            </a:extLst>
+          </p:cNvPr>
+          <p:cNvSpPr txBox="1"/>
+          <p:nvPr/>
+        </p:nvSpPr>
+        <p:spPr>
+          <a:xfrm>
+            <a:off x="5387801" y="3807082"/>
+            <a:ext cx="1264418" cy="369332"/>
+          </a:xfrm>
+          <a:prstGeom prst="rect">
+            <a:avLst/>
+          </a:prstGeom>
+          <a:noFill/>
+        </p:spPr>
+        <p:txBody>
+          <a:bodyPr wrap="square" rtlCol="0">
+            <a:spAutoFit/>
+          </a:bodyPr>
+          <a:lstStyle/>
+          <a:p>
+            <a:r>
+              <a:rPr lang="en-US" dirty="0">
+                <a:solidFill>
+                  <a:srgbClr val="DBA520"/>
+                </a:solidFill>
+              </a:rPr>
+              <a:t>(0.44)</a:t>
+            </a:r>
+          </a:p>
+        </p:txBody>
+      </p:sp>
+      <p:sp>
+        <p:nvSpPr>
+          <p:cNvPr id="14" name="TextBox 13">
+            <a:extLst>
+              <a:ext uri="{FF2B5EF4-FFF2-40B4-BE49-F238E27FC236}">
+                <a16:creationId xmlns:a16="http://schemas.microsoft.com/office/drawing/2014/main" id="{A5F00187-4212-1942-A780-D710A22D06BB}"/>
+              </a:ext>
+            </a:extLst>
+          </p:cNvPr>
+          <p:cNvSpPr txBox="1"/>
+          <p:nvPr/>
+        </p:nvSpPr>
+        <p:spPr>
+          <a:xfrm>
+            <a:off x="5406641" y="2579646"/>
+            <a:ext cx="1264418" cy="369332"/>
+          </a:xfrm>
+          <a:prstGeom prst="rect">
+            <a:avLst/>
+          </a:prstGeom>
+          <a:noFill/>
+        </p:spPr>
+        <p:txBody>
+          <a:bodyPr wrap="square" rtlCol="0">
+            <a:spAutoFit/>
+          </a:bodyPr>
+          <a:lstStyle/>
+          <a:p>
+            <a:r>
+              <a:rPr lang="en-US" dirty="0">
+                <a:solidFill>
+                  <a:srgbClr val="016400"/>
+                </a:solidFill>
+              </a:rPr>
+              <a:t>(1.39)</a:t>
+            </a:r>
+          </a:p>
+        </p:txBody>
+      </p:sp>
+    </p:spTree>
+    <p:extLst>
+      <p:ext uri="{BB962C8B-B14F-4D97-AF65-F5344CB8AC3E}">
+        <p14:creationId xmlns:p14="http://schemas.microsoft.com/office/powerpoint/2010/main" val="2194040195"/>
+      </p:ext>
+    </p:extLst>
+  </p:cSld>
+  <p:clrMapOvr>
+    <a:masterClrMapping/>
+  </p:clrMapOvr>
+</p:sld>
+</file>
+
 <file path=ppt/theme/theme1.xml><?xml version="1.0" encoding="utf-8"?>
 <a:theme xmlns:a="http://schemas.openxmlformats.org/drawingml/2006/main" name="Office Theme">
   <a:themeElements>

--- a/correlation-to-add.pptx
+++ b/correlation-to-add.pptx
@@ -6,7 +6,7 @@
   </p:sldMasterIdLst>
   <p:sldIdLst>
     <p:sldId id="256" r:id="rId2"/>
-    <p:sldId id="257" r:id="rId3"/>
+    <p:sldId id="259" r:id="rId3"/>
     <p:sldId id="258" r:id="rId4"/>
   </p:sldIdLst>
   <p:sldSz cx="12192000" cy="6858000"/>
@@ -194,8 +194,38 @@
             </c:spPr>
             <c:trendlineType val="linear"/>
             <c:intercept val="0"/>
-            <c:dispRSqr val="0"/>
-            <c:dispEq val="0"/>
+            <c:dispRSqr val="1"/>
+            <c:dispEq val="1"/>
+            <c:trendlineLbl>
+              <c:numFmt formatCode="General" sourceLinked="0"/>
+              <c:spPr>
+                <a:noFill/>
+                <a:ln>
+                  <a:noFill/>
+                </a:ln>
+                <a:effectLst/>
+              </c:spPr>
+              <c:txPr>
+                <a:bodyPr rot="0" spcFirstLastPara="1" vertOverflow="ellipsis" vert="horz" wrap="square" anchor="ctr" anchorCtr="1"/>
+                <a:lstStyle/>
+                <a:p>
+                  <a:pPr>
+                    <a:defRPr sz="2000" b="0" i="0" u="none" strike="noStrike" kern="1200" baseline="0">
+                      <a:solidFill>
+                        <a:schemeClr val="tx1">
+                          <a:lumMod val="65000"/>
+                          <a:lumOff val="35000"/>
+                        </a:schemeClr>
+                      </a:solidFill>
+                      <a:latin typeface="+mn-lt"/>
+                      <a:ea typeface="+mn-ea"/>
+                      <a:cs typeface="+mn-cs"/>
+                    </a:defRPr>
+                  </a:pPr>
+                  <a:endParaRPr lang="en-US"/>
+                </a:p>
+              </c:txPr>
+            </c:trendlineLbl>
           </c:trendline>
           <c:xVal>
             <c:numRef>
@@ -204,13 +234,13 @@
                 <c:formatCode>General</c:formatCode>
                 <c:ptCount val="3"/>
                 <c:pt idx="0">
-                  <c:v>1.35</c:v>
+                  <c:v>1.39</c:v>
                 </c:pt>
                 <c:pt idx="1">
-                  <c:v>0.85</c:v>
+                  <c:v>0.89</c:v>
                 </c:pt>
                 <c:pt idx="2">
-                  <c:v>0.4</c:v>
+                  <c:v>0.44</c:v>
                 </c:pt>
               </c:numCache>
             </c:numRef>
@@ -582,7 +612,7 @@
                   <a:bodyPr/>
                   <a:lstStyle/>
                   <a:p>
-                    <a:fld id="{52820DED-4FFF-8641-8AC3-384C68792130}" type="CELLRANGE">
+                    <a:fld id="{83BEC6C7-44A9-BF4A-8C88-4D2E5A5138A3}" type="CELLRANGE">
                       <a:rPr lang="en-US"/>
                       <a:pPr/>
                       <a:t>[CELLRANGE]</a:t>
@@ -605,7 +635,7 @@
                   <c15:showDataLabelsRange val="1"/>
                 </c:ext>
                 <c:ext xmlns:c16="http://schemas.microsoft.com/office/drawing/2014/chart" uri="{C3380CC4-5D6E-409C-BE32-E72D297353CC}">
-                  <c16:uniqueId val="{00000000-E69C-C340-B70C-9119065A3DE7}"/>
+                  <c16:uniqueId val="{00000000-9416-B74B-AF4F-04FAC5FFF888}"/>
                 </c:ext>
               </c:extLst>
             </c:dLbl>
@@ -616,7 +646,7 @@
                   <a:bodyPr/>
                   <a:lstStyle/>
                   <a:p>
-                    <a:fld id="{4F0360D6-6E0D-9048-AFEC-5D1CC9058566}" type="CELLRANGE">
+                    <a:fld id="{69B9F4D7-47A4-BE4D-91BB-CEB72941E110}" type="CELLRANGE">
                       <a:rPr lang="en-US"/>
                       <a:pPr/>
                       <a:t>[CELLRANGE]</a:t>
@@ -639,7 +669,7 @@
                   <c15:showDataLabelsRange val="1"/>
                 </c:ext>
                 <c:ext xmlns:c16="http://schemas.microsoft.com/office/drawing/2014/chart" uri="{C3380CC4-5D6E-409C-BE32-E72D297353CC}">
-                  <c16:uniqueId val="{00000001-E69C-C340-B70C-9119065A3DE7}"/>
+                  <c16:uniqueId val="{00000001-9416-B74B-AF4F-04FAC5FFF888}"/>
                 </c:ext>
               </c:extLst>
             </c:dLbl>
@@ -650,7 +680,7 @@
                   <a:bodyPr/>
                   <a:lstStyle/>
                   <a:p>
-                    <a:fld id="{002AAC07-A313-6547-8DBA-C37592477D3D}" type="CELLRANGE">
+                    <a:fld id="{36CCA582-951D-EA4C-9426-38EADFD38B5E}" type="CELLRANGE">
                       <a:rPr lang="en-US"/>
                       <a:pPr/>
                       <a:t>[CELLRANGE]</a:t>
@@ -673,7 +703,7 @@
                   <c15:showDataLabelsRange val="1"/>
                 </c:ext>
                 <c:ext xmlns:c16="http://schemas.microsoft.com/office/drawing/2014/chart" uri="{C3380CC4-5D6E-409C-BE32-E72D297353CC}">
-                  <c16:uniqueId val="{00000002-E69C-C340-B70C-9119065A3DE7}"/>
+                  <c16:uniqueId val="{00000002-9416-B74B-AF4F-04FAC5FFF888}"/>
                 </c:ext>
               </c:extLst>
             </c:dLbl>
@@ -687,13 +717,11 @@
               <a:effectLst/>
             </c:spPr>
             <c:txPr>
-              <a:bodyPr rot="0" spcFirstLastPara="1" vertOverflow="ellipsis" vert="horz" wrap="square" lIns="38100" tIns="19050" rIns="38100" bIns="19050" anchor="ctr" anchorCtr="1">
-                <a:spAutoFit/>
-              </a:bodyPr>
+              <a:bodyPr rot="0" spcFirstLastPara="1" vertOverflow="ellipsis" vert="horz" wrap="square" anchor="ctr" anchorCtr="1"/>
               <a:lstStyle/>
               <a:p>
                 <a:pPr>
-                  <a:defRPr sz="1800" b="0" i="0" u="none" strike="noStrike" kern="1200" baseline="0">
+                  <a:defRPr sz="2000" b="0" i="0" u="none" strike="noStrike" kern="1200" baseline="0">
                     <a:solidFill>
                       <a:schemeClr val="tx1">
                         <a:lumMod val="75000"/>
@@ -744,13 +772,13 @@
                 <c:formatCode>General</c:formatCode>
                 <c:ptCount val="3"/>
                 <c:pt idx="0">
-                  <c:v>0.4</c:v>
+                  <c:v>0.44</c:v>
                 </c:pt>
                 <c:pt idx="1">
-                  <c:v>0.85</c:v>
+                  <c:v>0.89</c:v>
                 </c:pt>
                 <c:pt idx="2">
-                  <c:v>1.35</c:v>
+                  <c:v>1.39</c:v>
                 </c:pt>
               </c:numCache>
             </c:numRef>
@@ -793,7 +821,7 @@
               </c15:datalabelsRange>
             </c:ext>
             <c:ext xmlns:c16="http://schemas.microsoft.com/office/drawing/2014/chart" uri="{C3380CC4-5D6E-409C-BE32-E72D297353CC}">
-              <c16:uniqueId val="{00000003-E69C-C340-B70C-9119065A3DE7}"/>
+              <c16:uniqueId val="{00000003-9416-B74B-AF4F-04FAC5FFF888}"/>
             </c:ext>
           </c:extLst>
         </c:ser>
@@ -834,7 +862,7 @@
             </c:spPr>
             <c:trendlineType val="linear"/>
             <c:forward val="0.1"/>
-            <c:backward val="0.4"/>
+            <c:backward val="0.5"/>
             <c:dispRSqr val="0"/>
             <c:dispEq val="0"/>
           </c:trendline>
@@ -845,13 +873,13 @@
                 <c:formatCode>General</c:formatCode>
                 <c:ptCount val="3"/>
                 <c:pt idx="0">
-                  <c:v>0.4</c:v>
+                  <c:v>0.44</c:v>
                 </c:pt>
                 <c:pt idx="1">
-                  <c:v>0.85</c:v>
+                  <c:v>0.89</c:v>
                 </c:pt>
                 <c:pt idx="2">
-                  <c:v>1.35</c:v>
+                  <c:v>1.39</c:v>
                 </c:pt>
               </c:numCache>
             </c:numRef>
@@ -877,7 +905,7 @@
           <c:smooth val="0"/>
           <c:extLst>
             <c:ext xmlns:c16="http://schemas.microsoft.com/office/drawing/2014/chart" uri="{C3380CC4-5D6E-409C-BE32-E72D297353CC}">
-              <c16:uniqueId val="{00000005-E69C-C340-B70C-9119065A3DE7}"/>
+              <c16:uniqueId val="{00000005-9416-B74B-AF4F-04FAC5FFF888}"/>
             </c:ext>
           </c:extLst>
         </c:ser>
@@ -918,10 +946,10 @@
                 <c:formatCode>General</c:formatCode>
                 <c:ptCount val="2"/>
                 <c:pt idx="0">
-                  <c:v>1.0429999999999999</c:v>
+                  <c:v>1.026</c:v>
                 </c:pt>
                 <c:pt idx="1">
-                  <c:v>0.32199999999999995</c:v>
+                  <c:v>0.35680000000000012</c:v>
                 </c:pt>
               </c:numCache>
             </c:numRef>
@@ -929,7 +957,7 @@
           <c:smooth val="0"/>
           <c:extLst>
             <c:ext xmlns:c16="http://schemas.microsoft.com/office/drawing/2014/chart" uri="{C3380CC4-5D6E-409C-BE32-E72D297353CC}">
-              <c16:uniqueId val="{00000006-E69C-C340-B70C-9119065A3DE7}"/>
+              <c16:uniqueId val="{00000006-9416-B74B-AF4F-04FAC5FFF888}"/>
             </c:ext>
           </c:extLst>
         </c:ser>
@@ -974,7 +1002,7 @@
                   <c:v>1.35</c:v>
                 </c:pt>
                 <c:pt idx="1">
-                  <c:v>0.57750000000000012</c:v>
+                  <c:v>0.63300000000000012</c:v>
                 </c:pt>
               </c:numCache>
             </c:numRef>
@@ -982,7 +1010,7 @@
           <c:smooth val="0"/>
           <c:extLst>
             <c:ext xmlns:c16="http://schemas.microsoft.com/office/drawing/2014/chart" uri="{C3380CC4-5D6E-409C-BE32-E72D297353CC}">
-              <c16:uniqueId val="{00000007-E69C-C340-B70C-9119065A3DE7}"/>
+              <c16:uniqueId val="{00000007-9416-B74B-AF4F-04FAC5FFF888}"/>
             </c:ext>
           </c:extLst>
         </c:ser>
@@ -1027,7 +1055,7 @@
                   <c:v>1.75</c:v>
                 </c:pt>
                 <c:pt idx="1">
-                  <c:v>0.97750000000000004</c:v>
+                  <c:v>1.0329999999999999</c:v>
                 </c:pt>
               </c:numCache>
             </c:numRef>
@@ -1035,7 +1063,7 @@
           <c:smooth val="0"/>
           <c:extLst>
             <c:ext xmlns:c16="http://schemas.microsoft.com/office/drawing/2014/chart" uri="{C3380CC4-5D6E-409C-BE32-E72D297353CC}">
-              <c16:uniqueId val="{00000008-E69C-C340-B70C-9119065A3DE7}"/>
+              <c16:uniqueId val="{00000008-9416-B74B-AF4F-04FAC5FFF888}"/>
             </c:ext>
           </c:extLst>
         </c:ser>
@@ -1043,7 +1071,7 @@
           <c:idx val="5"/>
           <c:order val="5"/>
           <c:spPr>
-            <a:ln w="19050" cap="rnd">
+            <a:ln w="22225" cap="rnd">
               <a:solidFill>
                 <a:srgbClr val="00B050"/>
               </a:solidFill>
@@ -1055,28 +1083,6 @@
           <c:marker>
             <c:symbol val="none"/>
           </c:marker>
-          <c:dPt>
-            <c:idx val="1"/>
-            <c:marker>
-              <c:symbol val="none"/>
-            </c:marker>
-            <c:bubble3D val="0"/>
-            <c:spPr>
-              <a:ln w="22225" cap="rnd">
-                <a:solidFill>
-                  <a:srgbClr val="00B050"/>
-                </a:solidFill>
-                <a:prstDash val="sysDot"/>
-                <a:round/>
-              </a:ln>
-              <a:effectLst/>
-            </c:spPr>
-            <c:extLst>
-              <c:ext xmlns:c16="http://schemas.microsoft.com/office/drawing/2014/chart" uri="{C3380CC4-5D6E-409C-BE32-E72D297353CC}">
-                <c16:uniqueId val="{0000000A-E69C-C340-B70C-9119065A3DE7}"/>
-              </c:ext>
-            </c:extLst>
-          </c:dPt>
           <c:xVal>
             <c:numRef>
               <c:f>Sheet1!$A$18:$A$19</c:f>
@@ -1102,7 +1108,7 @@
                   <c:v>2.42</c:v>
                 </c:pt>
                 <c:pt idx="1">
-                  <c:v>1.6475</c:v>
+                  <c:v>1.7029999999999998</c:v>
                 </c:pt>
               </c:numCache>
             </c:numRef>
@@ -1110,7 +1116,7 @@
           <c:smooth val="0"/>
           <c:extLst>
             <c:ext xmlns:c16="http://schemas.microsoft.com/office/drawing/2014/chart" uri="{C3380CC4-5D6E-409C-BE32-E72D297353CC}">
-              <c16:uniqueId val="{00000009-E69C-C340-B70C-9119065A3DE7}"/>
+              <c16:uniqueId val="{00000009-9416-B74B-AF4F-04FAC5FFF888}"/>
             </c:ext>
           </c:extLst>
         </c:ser>
@@ -1130,6 +1136,7 @@
         <c:scaling>
           <c:orientation val="minMax"/>
           <c:max val="1.5"/>
+          <c:min val="0"/>
         </c:scaling>
         <c:delete val="0"/>
         <c:axPos val="b"/>
@@ -1140,7 +1147,7 @@
               <a:lstStyle/>
               <a:p>
                 <a:pPr>
-                  <a:defRPr sz="1800" b="0" i="0" u="none" strike="noStrike" kern="1200" baseline="0">
+                  <a:defRPr sz="2000" b="0" i="0" u="none" strike="noStrike" kern="1200" baseline="0">
                     <a:solidFill>
                       <a:schemeClr val="tx1">
                         <a:lumMod val="65000"/>
@@ -1154,13 +1161,8 @@
                 </a:pPr>
                 <a:r>
                   <a:rPr lang="en-US"/>
-                  <a:t>Δ: phenyl-metal</a:t>
+                  <a:t>Δ: phenyl-metal binding enegy, eV</a:t>
                 </a:r>
-                <a:r>
-                  <a:rPr lang="en-US" baseline="0"/>
-                  <a:t> binding enegy, eV</a:t>
-                </a:r>
-                <a:endParaRPr lang="en-US"/>
               </a:p>
             </c:rich>
           </c:tx>
@@ -1177,7 +1179,7 @@
             <a:lstStyle/>
             <a:p>
               <a:pPr>
-                <a:defRPr sz="1800" b="0" i="0" u="none" strike="noStrike" kern="1200" baseline="0">
+                <a:defRPr sz="2000" b="0" i="0" u="none" strike="noStrike" kern="1200" baseline="0">
                   <a:solidFill>
                     <a:schemeClr val="tx1">
                       <a:lumMod val="65000"/>
@@ -1215,7 +1217,7 @@
           <a:lstStyle/>
           <a:p>
             <a:pPr>
-              <a:defRPr sz="1800" b="0" i="0" u="none" strike="noStrike" kern="1200" baseline="0">
+              <a:defRPr sz="2000" b="0" i="0" u="none" strike="noStrike" kern="1200" baseline="0">
                 <a:solidFill>
                   <a:schemeClr val="tx1">
                     <a:lumMod val="65000"/>
@@ -1246,11 +1248,11 @@
         <c:title>
           <c:tx>
             <c:rich>
-              <a:bodyPr rot="-5400000" spcFirstLastPara="1" vertOverflow="ellipsis" vert="horz" wrap="square" anchor="t" anchorCtr="0"/>
+              <a:bodyPr rot="-5400000" spcFirstLastPara="1" vertOverflow="ellipsis" vert="horz" wrap="square" anchor="ctr" anchorCtr="1"/>
               <a:lstStyle/>
               <a:p>
                 <a:pPr>
-                  <a:defRPr sz="1800" b="0" i="0" u="none" strike="noStrike" kern="1200" baseline="0">
+                  <a:defRPr sz="2000" b="0" i="0" u="none" strike="noStrike" kern="1200" baseline="0">
                     <a:solidFill>
                       <a:schemeClr val="tx1">
                         <a:lumMod val="65000"/>
@@ -1264,13 +1266,8 @@
                 </a:pPr>
                 <a:r>
                   <a:rPr lang="en-US"/>
-                  <a:t>Energy of unassisted extraction</a:t>
+                  <a:t>Energy of unassisted extraction, eV</a:t>
                 </a:r>
-                <a:r>
-                  <a:rPr lang="en-US" baseline="0"/>
-                  <a:t>, eV</a:t>
-                </a:r>
-                <a:endParaRPr lang="en-US"/>
               </a:p>
             </c:rich>
           </c:tx>
@@ -1283,11 +1280,11 @@
             <a:effectLst/>
           </c:spPr>
           <c:txPr>
-            <a:bodyPr rot="-5400000" spcFirstLastPara="1" vertOverflow="ellipsis" vert="horz" wrap="square" anchor="t" anchorCtr="0"/>
+            <a:bodyPr rot="-5400000" spcFirstLastPara="1" vertOverflow="ellipsis" vert="horz" wrap="square" anchor="ctr" anchorCtr="1"/>
             <a:lstStyle/>
             <a:p>
               <a:pPr>
-                <a:defRPr sz="1800" b="0" i="0" u="none" strike="noStrike" kern="1200" baseline="0">
+                <a:defRPr sz="2000" b="0" i="0" u="none" strike="noStrike" kern="1200" baseline="0">
                   <a:solidFill>
                     <a:schemeClr val="tx1">
                       <a:lumMod val="65000"/>
@@ -1325,7 +1322,7 @@
           <a:lstStyle/>
           <a:p>
             <a:pPr>
-              <a:defRPr sz="1800" b="0" i="0" u="none" strike="noStrike" kern="1200" baseline="0">
+              <a:defRPr sz="2000" b="0" i="0" u="none" strike="noStrike" kern="1200" baseline="0">
                 <a:solidFill>
                   <a:schemeClr val="tx1">
                     <a:lumMod val="65000"/>
@@ -1383,7 +1380,7 @@
     <a:lstStyle/>
     <a:p>
       <a:pPr>
-        <a:defRPr sz="1800" b="0" i="0">
+        <a:defRPr sz="2000" b="0" i="0">
           <a:latin typeface="Arial" panose="020B0604020202020204" pitchFamily="34" charset="0"/>
           <a:cs typeface="Arial" panose="020B0604020202020204" pitchFamily="34" charset="0"/>
         </a:defRPr>
@@ -2556,7 +2553,7 @@
       <cdr:y>0.64161</cdr:y>
     </cdr:from>
     <cdr:to>
-      <cdr:x>0.41677</cdr:x>
+      <cdr:x>0.43997</cdr:x>
       <cdr:y>0.7886</cdr:y>
     </cdr:to>
     <cdr:sp macro="" textlink="">
@@ -2572,8 +2569,8 @@
       </cdr:nvSpPr>
       <cdr:spPr>
         <a:xfrm xmlns:a="http://schemas.openxmlformats.org/drawingml/2006/main">
-          <a:off x="1028193" y="3070036"/>
-          <a:ext cx="2102562" cy="703314"/>
+          <a:off x="1033950" y="3292088"/>
+          <a:ext cx="2289730" cy="754203"/>
         </a:xfrm>
         <a:prstGeom xmlns:a="http://schemas.openxmlformats.org/drawingml/2006/main" prst="rect">
           <a:avLst/>
@@ -2585,7 +2582,7 @@
         <a:p xmlns:a="http://schemas.openxmlformats.org/drawingml/2006/main">
           <a:pPr algn="l"/>
           <a:r>
-            <a:rPr lang="en-US" sz="1800" b="0" i="0">
+            <a:rPr lang="en-US" sz="2000" b="0" i="0">
               <a:solidFill>
                 <a:srgbClr val="00B050"/>
               </a:solidFill>
@@ -2600,12 +2597,12 @@
   </cdr:relSizeAnchor>
   <cdr:relSizeAnchor xmlns:cdr="http://schemas.openxmlformats.org/drawingml/2006/chartDrawing">
     <cdr:from>
-      <cdr:x>0.61502</cdr:x>
-      <cdr:y>0.45583</cdr:y>
+      <cdr:x>0.59709</cdr:x>
+      <cdr:y>0.50081</cdr:y>
     </cdr:from>
     <cdr:to>
-      <cdr:x>0.94295</cdr:x>
-      <cdr:y>0.60238</cdr:y>
+      <cdr:x>0.9522</cdr:x>
+      <cdr:y>0.66336</cdr:y>
     </cdr:to>
     <cdr:sp macro="" textlink="">
       <cdr:nvSpPr>
@@ -2620,8 +2617,8 @@
       </cdr:nvSpPr>
       <cdr:spPr>
         <a:xfrm xmlns:a="http://schemas.openxmlformats.org/drawingml/2006/main">
-          <a:off x="4619978" y="2181096"/>
-          <a:ext cx="2463382" cy="701206"/>
+          <a:off x="4510566" y="2569646"/>
+          <a:ext cx="2682589" cy="834044"/>
         </a:xfrm>
         <a:prstGeom xmlns:a="http://schemas.openxmlformats.org/drawingml/2006/main" prst="rect">
           <a:avLst/>
@@ -2702,7 +2699,7 @@
         <a:p xmlns:a="http://schemas.openxmlformats.org/drawingml/2006/main">
           <a:pPr algn="ctr"/>
           <a:r>
-            <a:rPr lang="en-US" sz="1800" b="0" i="0" dirty="0">
+            <a:rPr lang="en-US" sz="2000" b="0" i="0" dirty="0">
               <a:solidFill>
                 <a:srgbClr val="0070C0"/>
               </a:solidFill>
@@ -2717,12 +2714,12 @@
   </cdr:relSizeAnchor>
   <cdr:relSizeAnchor xmlns:cdr="http://schemas.openxmlformats.org/drawingml/2006/chartDrawing">
     <cdr:from>
-      <cdr:x>0.20097</cdr:x>
-      <cdr:y>0.05526</cdr:y>
+      <cdr:x>0.16735</cdr:x>
+      <cdr:y>0.06819</cdr:y>
     </cdr:from>
     <cdr:to>
-      <cdr:x>0.63203</cdr:x>
-      <cdr:y>0.13019</cdr:y>
+      <cdr:x>0.63414</cdr:x>
+      <cdr:y>0.14367</cdr:y>
     </cdr:to>
     <cdr:sp macro="" textlink="">
       <cdr:nvSpPr>
@@ -2737,8 +2734,8 @@
       </cdr:nvSpPr>
       <cdr:spPr>
         <a:xfrm xmlns:a="http://schemas.openxmlformats.org/drawingml/2006/main">
-          <a:off x="1509694" y="264414"/>
-          <a:ext cx="3238086" cy="358531"/>
+          <a:off x="1264177" y="349860"/>
+          <a:ext cx="3526298" cy="387286"/>
         </a:xfrm>
         <a:prstGeom xmlns:a="http://schemas.openxmlformats.org/drawingml/2006/main" prst="rect">
           <a:avLst/>
@@ -2816,7 +2813,7 @@
         <a:p xmlns:a="http://schemas.openxmlformats.org/drawingml/2006/main">
           <a:pPr algn="ctr"/>
           <a:r>
-            <a:rPr lang="en-US" sz="1800" b="0" i="0">
+            <a:rPr lang="en-US" sz="2000" b="0" i="0">
               <a:solidFill>
                 <a:srgbClr val="FF0000"/>
               </a:solidFill>
@@ -2831,12 +2828,12 @@
   </cdr:relSizeAnchor>
   <cdr:relSizeAnchor xmlns:cdr="http://schemas.openxmlformats.org/drawingml/2006/chartDrawing">
     <cdr:from>
-      <cdr:x>0.27721</cdr:x>
-      <cdr:y>0.35937</cdr:y>
+      <cdr:x>0.28086</cdr:x>
+      <cdr:y>0.35965</cdr:y>
     </cdr:from>
     <cdr:to>
-      <cdr:x>0.87002</cdr:x>
-      <cdr:y>0.43434</cdr:y>
+      <cdr:x>0.92281</cdr:x>
+      <cdr:y>0.43513</cdr:y>
     </cdr:to>
     <cdr:sp macro="" textlink="">
       <cdr:nvSpPr>
@@ -2850,9 +2847,9 @@
         <cdr:cNvSpPr txBox="1"/>
       </cdr:nvSpPr>
       <cdr:spPr>
-        <a:xfrm xmlns:a="http://schemas.openxmlformats.org/drawingml/2006/main" rot="20700000">
-          <a:off x="2082402" y="1719535"/>
-          <a:ext cx="4453111" cy="358722"/>
+        <a:xfrm xmlns:a="http://schemas.openxmlformats.org/drawingml/2006/main" rot="20640000">
+          <a:off x="2121653" y="1845367"/>
+          <a:ext cx="4849499" cy="387286"/>
         </a:xfrm>
         <a:prstGeom xmlns:a="http://schemas.openxmlformats.org/drawingml/2006/main" prst="rect">
           <a:avLst/>
@@ -2933,7 +2930,7 @@
         <a:p xmlns:a="http://schemas.openxmlformats.org/drawingml/2006/main">
           <a:pPr algn="ctr"/>
           <a:r>
-            <a:rPr lang="en-US" sz="1800" b="0" i="0">
+            <a:rPr lang="en-US" sz="2000" b="0" i="0">
               <a:solidFill>
                 <a:srgbClr val="FF0000"/>
               </a:solidFill>
@@ -6211,7 +6208,7 @@
           <p:nvPr>
             <p:extLst>
               <p:ext uri="{D42A27DB-BD31-4B8C-83A1-F6EECF244321}">
-                <p14:modId xmlns:p14="http://schemas.microsoft.com/office/powerpoint/2010/main" val="403507385"/>
+                <p14:modId xmlns:p14="http://schemas.microsoft.com/office/powerpoint/2010/main" val="3953487433"/>
               </p:ext>
             </p:extLst>
           </p:nvPr>
@@ -6256,7 +6253,7 @@
           <a:p>
             <a:r>
               <a:rPr lang="en-US" dirty="0"/>
-              <a:t>Equation for  the trendline is y = 0.9355x</a:t>
+              <a:t>Equation for  the trendline is y = 0.8981x</a:t>
             </a:r>
           </a:p>
           <a:p>
@@ -6303,7 +6300,7 @@
       </p:grpSpPr>
       <p:graphicFrame>
         <p:nvGraphicFramePr>
-          <p:cNvPr id="4" name="Chart 3">
+          <p:cNvPr id="3" name="Chart 2">
             <a:extLst>
               <a:ext uri="{FF2B5EF4-FFF2-40B4-BE49-F238E27FC236}">
                 <a16:creationId xmlns:a16="http://schemas.microsoft.com/office/drawing/2014/main" id="{04C3BC52-CA7D-1F4B-A356-B99EA0DF1554}"/>
@@ -6316,14 +6313,14 @@
           <p:nvPr>
             <p:extLst>
               <p:ext uri="{D42A27DB-BD31-4B8C-83A1-F6EECF244321}">
-                <p14:modId xmlns:p14="http://schemas.microsoft.com/office/powerpoint/2010/main" val="3494706550"/>
+                <p14:modId xmlns:p14="http://schemas.microsoft.com/office/powerpoint/2010/main" val="4025881107"/>
               </p:ext>
             </p:extLst>
           </p:nvPr>
         </p:nvGraphicFramePr>
         <p:xfrm>
-          <a:off x="2340042" y="1036555"/>
-          <a:ext cx="7511915" cy="4784890"/>
+          <a:off x="2318876" y="863510"/>
+          <a:ext cx="7554248" cy="5130980"/>
         </p:xfrm>
         <a:graphic>
           <a:graphicData uri="http://schemas.openxmlformats.org/drawingml/2006/chart">
@@ -6334,7 +6331,7 @@
     </p:spTree>
     <p:extLst>
       <p:ext uri="{BB962C8B-B14F-4D97-AF65-F5344CB8AC3E}">
-        <p14:creationId xmlns:p14="http://schemas.microsoft.com/office/powerpoint/2010/main" val="921952475"/>
+        <p14:creationId xmlns:p14="http://schemas.microsoft.com/office/powerpoint/2010/main" val="2547288204"/>
       </p:ext>
     </p:extLst>
   </p:cSld>

--- a/correlation-to-add.pptx
+++ b/correlation-to-add.pptx
@@ -591,7 +591,7 @@
           </c:spPr>
           <c:marker>
             <c:symbol val="circle"/>
-            <c:size val="10"/>
+            <c:size val="13"/>
             <c:spPr>
               <a:solidFill>
                 <a:schemeClr val="accent5"/>
@@ -612,7 +612,7 @@
                   <a:bodyPr/>
                   <a:lstStyle/>
                   <a:p>
-                    <a:fld id="{83BEC6C7-44A9-BF4A-8C88-4D2E5A5138A3}" type="CELLRANGE">
+                    <a:fld id="{9CEF5B84-D489-E843-9F09-833F1694B7EC}" type="CELLRANGE">
                       <a:rPr lang="en-US"/>
                       <a:pPr/>
                       <a:t>[CELLRANGE]</a:t>
@@ -646,7 +646,7 @@
                   <a:bodyPr/>
                   <a:lstStyle/>
                   <a:p>
-                    <a:fld id="{69B9F4D7-47A4-BE4D-91BB-CEB72941E110}" type="CELLRANGE">
+                    <a:fld id="{B9FFF204-C17C-854D-A10E-7FD8F1B58886}" type="CELLRANGE">
                       <a:rPr lang="en-US"/>
                       <a:pPr/>
                       <a:t>[CELLRANGE]</a:t>
@@ -680,7 +680,7 @@
                   <a:bodyPr/>
                   <a:lstStyle/>
                   <a:p>
-                    <a:fld id="{36CCA582-951D-EA4C-9426-38EADFD38B5E}" type="CELLRANGE">
+                    <a:fld id="{1B9A19F7-44F8-C741-BCEA-0D57735A48A8}" type="CELLRANGE">
                       <a:rPr lang="en-US"/>
                       <a:pPr/>
                       <a:t>[CELLRANGE]</a:t>
@@ -837,7 +837,7 @@
           </c:spPr>
           <c:marker>
             <c:symbol val="circle"/>
-            <c:size val="10"/>
+            <c:size val="13"/>
             <c:spPr>
               <a:solidFill>
                 <a:srgbClr val="FF0000"/>
@@ -1160,8 +1160,20 @@
                   </a:defRPr>
                 </a:pPr>
                 <a:r>
-                  <a:rPr lang="en-US"/>
-                  <a:t>Δ: phenyl-metal binding enegy, eV</a:t>
+                  <a:rPr lang="en-US" dirty="0" err="1"/>
+                  <a:t>Δ</a:t>
+                </a:r>
+                <a:r>
+                  <a:rPr lang="en-US" dirty="0"/>
+                  <a:t>: phenyl-metal binding energy</a:t>
+                </a:r>
+                <a:r>
+                  <a:rPr lang="en-US" baseline="0" dirty="0"/>
+                  <a:t> (</a:t>
+                </a:r>
+                <a:r>
+                  <a:rPr lang="en-US" dirty="0"/>
+                  <a:t>eV)</a:t>
                 </a:r>
               </a:p>
             </c:rich>
@@ -1265,8 +1277,8 @@
                   </a:defRPr>
                 </a:pPr>
                 <a:r>
-                  <a:rPr lang="en-US"/>
-                  <a:t>Energy of unassisted extraction, eV</a:t>
+                  <a:rPr lang="en-US" dirty="0"/>
+                  <a:t>Energy of unassisted extraction (eV)</a:t>
                 </a:r>
               </a:p>
             </c:rich>
@@ -3093,7 +3105,7 @@
           <a:p>
             <a:fld id="{81DD9E49-0831-7F4A-BD39-8B4C948BC6B9}" type="datetimeFigureOut">
               <a:rPr lang="en-US" smtClean="0"/>
-              <a:t>8/16/21</a:t>
+              <a:t>8/24/21</a:t>
             </a:fld>
             <a:endParaRPr lang="en-US"/>
           </a:p>
@@ -3291,7 +3303,7 @@
           <a:p>
             <a:fld id="{81DD9E49-0831-7F4A-BD39-8B4C948BC6B9}" type="datetimeFigureOut">
               <a:rPr lang="en-US" smtClean="0"/>
-              <a:t>8/16/21</a:t>
+              <a:t>8/24/21</a:t>
             </a:fld>
             <a:endParaRPr lang="en-US"/>
           </a:p>
@@ -3499,7 +3511,7 @@
           <a:p>
             <a:fld id="{81DD9E49-0831-7F4A-BD39-8B4C948BC6B9}" type="datetimeFigureOut">
               <a:rPr lang="en-US" smtClean="0"/>
-              <a:t>8/16/21</a:t>
+              <a:t>8/24/21</a:t>
             </a:fld>
             <a:endParaRPr lang="en-US"/>
           </a:p>
@@ -3697,7 +3709,7 @@
           <a:p>
             <a:fld id="{81DD9E49-0831-7F4A-BD39-8B4C948BC6B9}" type="datetimeFigureOut">
               <a:rPr lang="en-US" smtClean="0"/>
-              <a:t>8/16/21</a:t>
+              <a:t>8/24/21</a:t>
             </a:fld>
             <a:endParaRPr lang="en-US"/>
           </a:p>
@@ -3972,7 +3984,7 @@
           <a:p>
             <a:fld id="{81DD9E49-0831-7F4A-BD39-8B4C948BC6B9}" type="datetimeFigureOut">
               <a:rPr lang="en-US" smtClean="0"/>
-              <a:t>8/16/21</a:t>
+              <a:t>8/24/21</a:t>
             </a:fld>
             <a:endParaRPr lang="en-US"/>
           </a:p>
@@ -4237,7 +4249,7 @@
           <a:p>
             <a:fld id="{81DD9E49-0831-7F4A-BD39-8B4C948BC6B9}" type="datetimeFigureOut">
               <a:rPr lang="en-US" smtClean="0"/>
-              <a:t>8/16/21</a:t>
+              <a:t>8/24/21</a:t>
             </a:fld>
             <a:endParaRPr lang="en-US"/>
           </a:p>
@@ -4649,7 +4661,7 @@
           <a:p>
             <a:fld id="{81DD9E49-0831-7F4A-BD39-8B4C948BC6B9}" type="datetimeFigureOut">
               <a:rPr lang="en-US" smtClean="0"/>
-              <a:t>8/16/21</a:t>
+              <a:t>8/24/21</a:t>
             </a:fld>
             <a:endParaRPr lang="en-US"/>
           </a:p>
@@ -4790,7 +4802,7 @@
           <a:p>
             <a:fld id="{81DD9E49-0831-7F4A-BD39-8B4C948BC6B9}" type="datetimeFigureOut">
               <a:rPr lang="en-US" smtClean="0"/>
-              <a:t>8/16/21</a:t>
+              <a:t>8/24/21</a:t>
             </a:fld>
             <a:endParaRPr lang="en-US"/>
           </a:p>
@@ -4903,7 +4915,7 @@
           <a:p>
             <a:fld id="{81DD9E49-0831-7F4A-BD39-8B4C948BC6B9}" type="datetimeFigureOut">
               <a:rPr lang="en-US" smtClean="0"/>
-              <a:t>8/16/21</a:t>
+              <a:t>8/24/21</a:t>
             </a:fld>
             <a:endParaRPr lang="en-US"/>
           </a:p>
@@ -5214,7 +5226,7 @@
           <a:p>
             <a:fld id="{81DD9E49-0831-7F4A-BD39-8B4C948BC6B9}" type="datetimeFigureOut">
               <a:rPr lang="en-US" smtClean="0"/>
-              <a:t>8/16/21</a:t>
+              <a:t>8/24/21</a:t>
             </a:fld>
             <a:endParaRPr lang="en-US"/>
           </a:p>
@@ -5502,7 +5514,7 @@
           <a:p>
             <a:fld id="{81DD9E49-0831-7F4A-BD39-8B4C948BC6B9}" type="datetimeFigureOut">
               <a:rPr lang="en-US" smtClean="0"/>
-              <a:t>8/16/21</a:t>
+              <a:t>8/24/21</a:t>
             </a:fld>
             <a:endParaRPr lang="en-US"/>
           </a:p>
@@ -5743,7 +5755,7 @@
           <a:p>
             <a:fld id="{81DD9E49-0831-7F4A-BD39-8B4C948BC6B9}" type="datetimeFigureOut">
               <a:rPr lang="en-US" smtClean="0"/>
-              <a:t>8/16/21</a:t>
+              <a:t>8/24/21</a:t>
             </a:fld>
             <a:endParaRPr lang="en-US"/>
           </a:p>
@@ -6313,14 +6325,14 @@
           <p:nvPr>
             <p:extLst>
               <p:ext uri="{D42A27DB-BD31-4B8C-83A1-F6EECF244321}">
-                <p14:modId xmlns:p14="http://schemas.microsoft.com/office/powerpoint/2010/main" val="4025881107"/>
+                <p14:modId xmlns:p14="http://schemas.microsoft.com/office/powerpoint/2010/main" val="3219789171"/>
               </p:ext>
             </p:extLst>
           </p:nvPr>
         </p:nvGraphicFramePr>
         <p:xfrm>
-          <a:off x="2318876" y="863510"/>
-          <a:ext cx="7554248" cy="5130980"/>
+          <a:off x="2318876" y="727113"/>
+          <a:ext cx="7554248" cy="5267377"/>
         </p:xfrm>
         <a:graphic>
           <a:graphicData uri="http://schemas.openxmlformats.org/drawingml/2006/chart">
